--- a/presentacion/DHCP.pptx
+++ b/presentacion/DHCP.pptx
@@ -16,7 +16,11 @@
     <p:sldId id="265" r:id="rId10"/>
     <p:sldId id="266" r:id="rId11"/>
     <p:sldId id="267" r:id="rId12"/>
-    <p:sldId id="264" r:id="rId13"/>
+    <p:sldId id="270" r:id="rId13"/>
+    <p:sldId id="268" r:id="rId14"/>
+    <p:sldId id="269" r:id="rId15"/>
+    <p:sldId id="272" r:id="rId16"/>
+    <p:sldId id="264" r:id="rId17"/>
   </p:sldIdLst>
   <p:sldSz cx="12192000" cy="6858000"/>
   <p:notesSz cx="6858000" cy="9144000"/>
@@ -1331,6 +1335,558 @@
       <dsp:cNvGrpSpPr/>
     </dsp:nvGrpSpPr>
     <dsp:grpSpPr/>
+    <dsp:sp modelId="{6940AC99-8074-4428-8E50-D5A6B3ED3A9C}">
+      <dsp:nvSpPr>
+        <dsp:cNvPr id="0" name=""/>
+        <dsp:cNvSpPr/>
+      </dsp:nvSpPr>
+      <dsp:spPr>
+        <a:xfrm>
+          <a:off x="496406" y="123"/>
+          <a:ext cx="1547322" cy="928393"/>
+        </a:xfrm>
+        <a:prstGeom prst="rect">
+          <a:avLst/>
+        </a:prstGeom>
+        <a:gradFill rotWithShape="0">
+          <a:gsLst>
+            <a:gs pos="0">
+              <a:schemeClr val="lt1">
+                <a:hueOff val="0"/>
+                <a:satOff val="0"/>
+                <a:lumOff val="0"/>
+                <a:alphaOff val="0"/>
+                <a:tint val="70000"/>
+                <a:lumMod val="110000"/>
+              </a:schemeClr>
+            </a:gs>
+            <a:gs pos="100000">
+              <a:schemeClr val="lt1">
+                <a:hueOff val="0"/>
+                <a:satOff val="0"/>
+                <a:lumOff val="0"/>
+                <a:alphaOff val="0"/>
+                <a:tint val="82000"/>
+                <a:alpha val="74000"/>
+              </a:schemeClr>
+            </a:gs>
+          </a:gsLst>
+          <a:lin ang="5400000" scaled="0"/>
+        </a:gradFill>
+        <a:ln>
+          <a:noFill/>
+        </a:ln>
+        <a:effectLst/>
+        <a:scene3d>
+          <a:camera prst="orthographicFront"/>
+          <a:lightRig rig="flat" dir="t"/>
+        </a:scene3d>
+        <a:sp3d prstMaterial="dkEdge">
+          <a:bevelT w="8200" h="38100"/>
+        </a:sp3d>
+      </dsp:spPr>
+      <dsp:style>
+        <a:lnRef idx="0">
+          <a:scrgbClr r="0" g="0" b="0"/>
+        </a:lnRef>
+        <a:fillRef idx="2">
+          <a:scrgbClr r="0" g="0" b="0"/>
+        </a:fillRef>
+        <a:effectRef idx="1">
+          <a:scrgbClr r="0" g="0" b="0"/>
+        </a:effectRef>
+        <a:fontRef idx="minor">
+          <a:schemeClr val="dk1"/>
+        </a:fontRef>
+      </dsp:style>
+      <dsp:txBody>
+        <a:bodyPr spcFirstLastPara="0" vert="horz" wrap="square" lIns="91440" tIns="91440" rIns="91440" bIns="91440" numCol="1" spcCol="1270" anchor="ctr" anchorCtr="0">
+          <a:noAutofit/>
+        </a:bodyPr>
+        <a:lstStyle/>
+        <a:p>
+          <a:pPr lvl="0" algn="ctr" defTabSz="1066800">
+            <a:lnSpc>
+              <a:spcPct val="90000"/>
+            </a:lnSpc>
+            <a:spcBef>
+              <a:spcPct val="0"/>
+            </a:spcBef>
+            <a:spcAft>
+              <a:spcPct val="35000"/>
+            </a:spcAft>
+          </a:pPr>
+          <a:r>
+            <a:rPr lang="es-MX" sz="2400" kern="1200" dirty="0" smtClean="0"/>
+            <a:t>Aplicación</a:t>
+          </a:r>
+        </a:p>
+      </dsp:txBody>
+      <dsp:txXfrm>
+        <a:off x="496406" y="123"/>
+        <a:ext cx="1547322" cy="928393"/>
+      </dsp:txXfrm>
+    </dsp:sp>
+    <dsp:sp modelId="{787C29B7-499D-43E6-B058-A8B138F4886A}">
+      <dsp:nvSpPr>
+        <dsp:cNvPr id="0" name=""/>
+        <dsp:cNvSpPr/>
+      </dsp:nvSpPr>
+      <dsp:spPr>
+        <a:xfrm>
+          <a:off x="2198461" y="123"/>
+          <a:ext cx="1547322" cy="928393"/>
+        </a:xfrm>
+        <a:prstGeom prst="rect">
+          <a:avLst/>
+        </a:prstGeom>
+        <a:gradFill rotWithShape="0">
+          <a:gsLst>
+            <a:gs pos="0">
+              <a:schemeClr val="lt1">
+                <a:hueOff val="0"/>
+                <a:satOff val="0"/>
+                <a:lumOff val="0"/>
+                <a:alphaOff val="0"/>
+                <a:tint val="70000"/>
+                <a:lumMod val="110000"/>
+              </a:schemeClr>
+            </a:gs>
+            <a:gs pos="100000">
+              <a:schemeClr val="lt1">
+                <a:hueOff val="0"/>
+                <a:satOff val="0"/>
+                <a:lumOff val="0"/>
+                <a:alphaOff val="0"/>
+                <a:tint val="82000"/>
+                <a:alpha val="74000"/>
+              </a:schemeClr>
+            </a:gs>
+          </a:gsLst>
+          <a:lin ang="5400000" scaled="0"/>
+        </a:gradFill>
+        <a:ln>
+          <a:noFill/>
+        </a:ln>
+        <a:effectLst/>
+        <a:scene3d>
+          <a:camera prst="orthographicFront"/>
+          <a:lightRig rig="flat" dir="t"/>
+        </a:scene3d>
+        <a:sp3d prstMaterial="dkEdge">
+          <a:bevelT w="8200" h="38100"/>
+        </a:sp3d>
+      </dsp:spPr>
+      <dsp:style>
+        <a:lnRef idx="0">
+          <a:scrgbClr r="0" g="0" b="0"/>
+        </a:lnRef>
+        <a:fillRef idx="2">
+          <a:scrgbClr r="0" g="0" b="0"/>
+        </a:fillRef>
+        <a:effectRef idx="1">
+          <a:scrgbClr r="0" g="0" b="0"/>
+        </a:effectRef>
+        <a:fontRef idx="minor">
+          <a:schemeClr val="dk1"/>
+        </a:fontRef>
+      </dsp:style>
+      <dsp:txBody>
+        <a:bodyPr spcFirstLastPara="0" vert="horz" wrap="square" lIns="91440" tIns="91440" rIns="91440" bIns="91440" numCol="1" spcCol="1270" anchor="ctr" anchorCtr="0">
+          <a:noAutofit/>
+        </a:bodyPr>
+        <a:lstStyle/>
+        <a:p>
+          <a:pPr lvl="0" algn="ctr" defTabSz="1066800">
+            <a:lnSpc>
+              <a:spcPct val="90000"/>
+            </a:lnSpc>
+            <a:spcBef>
+              <a:spcPct val="0"/>
+            </a:spcBef>
+            <a:spcAft>
+              <a:spcPct val="35000"/>
+            </a:spcAft>
+          </a:pPr>
+          <a:r>
+            <a:rPr lang="es-MX" sz="2400" kern="1200" dirty="0" smtClean="0"/>
+            <a:t>DHCP</a:t>
+          </a:r>
+        </a:p>
+      </dsp:txBody>
+      <dsp:txXfrm>
+        <a:off x="2198461" y="123"/>
+        <a:ext cx="1547322" cy="928393"/>
+      </dsp:txXfrm>
+    </dsp:sp>
+    <dsp:sp modelId="{D8969BF9-CACA-452B-A017-B327C2F9B93A}">
+      <dsp:nvSpPr>
+        <dsp:cNvPr id="0" name=""/>
+        <dsp:cNvSpPr/>
+      </dsp:nvSpPr>
+      <dsp:spPr>
+        <a:xfrm>
+          <a:off x="496406" y="1083249"/>
+          <a:ext cx="1547322" cy="928393"/>
+        </a:xfrm>
+        <a:prstGeom prst="rect">
+          <a:avLst/>
+        </a:prstGeom>
+        <a:gradFill rotWithShape="0">
+          <a:gsLst>
+            <a:gs pos="0">
+              <a:schemeClr val="lt1">
+                <a:hueOff val="0"/>
+                <a:satOff val="0"/>
+                <a:lumOff val="0"/>
+                <a:alphaOff val="0"/>
+                <a:tint val="70000"/>
+                <a:lumMod val="110000"/>
+              </a:schemeClr>
+            </a:gs>
+            <a:gs pos="100000">
+              <a:schemeClr val="lt1">
+                <a:hueOff val="0"/>
+                <a:satOff val="0"/>
+                <a:lumOff val="0"/>
+                <a:alphaOff val="0"/>
+                <a:tint val="82000"/>
+                <a:alpha val="74000"/>
+              </a:schemeClr>
+            </a:gs>
+          </a:gsLst>
+          <a:lin ang="5400000" scaled="0"/>
+        </a:gradFill>
+        <a:ln>
+          <a:noFill/>
+        </a:ln>
+        <a:effectLst/>
+        <a:scene3d>
+          <a:camera prst="orthographicFront"/>
+          <a:lightRig rig="flat" dir="t"/>
+        </a:scene3d>
+        <a:sp3d prstMaterial="dkEdge">
+          <a:bevelT w="8200" h="38100"/>
+        </a:sp3d>
+      </dsp:spPr>
+      <dsp:style>
+        <a:lnRef idx="0">
+          <a:scrgbClr r="0" g="0" b="0"/>
+        </a:lnRef>
+        <a:fillRef idx="2">
+          <a:scrgbClr r="0" g="0" b="0"/>
+        </a:fillRef>
+        <a:effectRef idx="1">
+          <a:scrgbClr r="0" g="0" b="0"/>
+        </a:effectRef>
+        <a:fontRef idx="minor">
+          <a:schemeClr val="dk1"/>
+        </a:fontRef>
+      </dsp:style>
+      <dsp:txBody>
+        <a:bodyPr spcFirstLastPara="0" vert="horz" wrap="square" lIns="91440" tIns="91440" rIns="91440" bIns="91440" numCol="1" spcCol="1270" anchor="ctr" anchorCtr="0">
+          <a:noAutofit/>
+        </a:bodyPr>
+        <a:lstStyle/>
+        <a:p>
+          <a:pPr lvl="0" algn="ctr" defTabSz="1066800">
+            <a:lnSpc>
+              <a:spcPct val="90000"/>
+            </a:lnSpc>
+            <a:spcBef>
+              <a:spcPct val="0"/>
+            </a:spcBef>
+            <a:spcAft>
+              <a:spcPct val="35000"/>
+            </a:spcAft>
+          </a:pPr>
+          <a:r>
+            <a:rPr lang="es-MX" sz="2400" kern="1200" dirty="0" smtClean="0"/>
+            <a:t>Transporte</a:t>
+          </a:r>
+        </a:p>
+      </dsp:txBody>
+      <dsp:txXfrm>
+        <a:off x="496406" y="1083249"/>
+        <a:ext cx="1547322" cy="928393"/>
+      </dsp:txXfrm>
+    </dsp:sp>
+    <dsp:sp modelId="{47CD3232-54FD-48BC-8AA4-1847FB37EA11}">
+      <dsp:nvSpPr>
+        <dsp:cNvPr id="0" name=""/>
+        <dsp:cNvSpPr/>
+      </dsp:nvSpPr>
+      <dsp:spPr>
+        <a:xfrm>
+          <a:off x="2198461" y="1083249"/>
+          <a:ext cx="1547322" cy="928393"/>
+        </a:xfrm>
+        <a:prstGeom prst="rect">
+          <a:avLst/>
+        </a:prstGeom>
+        <a:gradFill rotWithShape="0">
+          <a:gsLst>
+            <a:gs pos="0">
+              <a:schemeClr val="lt1">
+                <a:hueOff val="0"/>
+                <a:satOff val="0"/>
+                <a:lumOff val="0"/>
+                <a:alphaOff val="0"/>
+                <a:tint val="70000"/>
+                <a:lumMod val="110000"/>
+              </a:schemeClr>
+            </a:gs>
+            <a:gs pos="100000">
+              <a:schemeClr val="lt1">
+                <a:hueOff val="0"/>
+                <a:satOff val="0"/>
+                <a:lumOff val="0"/>
+                <a:alphaOff val="0"/>
+                <a:tint val="82000"/>
+                <a:alpha val="74000"/>
+              </a:schemeClr>
+            </a:gs>
+          </a:gsLst>
+          <a:lin ang="5400000" scaled="0"/>
+        </a:gradFill>
+        <a:ln>
+          <a:noFill/>
+        </a:ln>
+        <a:effectLst/>
+        <a:scene3d>
+          <a:camera prst="orthographicFront"/>
+          <a:lightRig rig="flat" dir="t"/>
+        </a:scene3d>
+        <a:sp3d prstMaterial="dkEdge">
+          <a:bevelT w="8200" h="38100"/>
+        </a:sp3d>
+      </dsp:spPr>
+      <dsp:style>
+        <a:lnRef idx="0">
+          <a:scrgbClr r="0" g="0" b="0"/>
+        </a:lnRef>
+        <a:fillRef idx="2">
+          <a:scrgbClr r="0" g="0" b="0"/>
+        </a:fillRef>
+        <a:effectRef idx="1">
+          <a:scrgbClr r="0" g="0" b="0"/>
+        </a:effectRef>
+        <a:fontRef idx="minor">
+          <a:schemeClr val="dk1"/>
+        </a:fontRef>
+      </dsp:style>
+      <dsp:txBody>
+        <a:bodyPr spcFirstLastPara="0" vert="horz" wrap="square" lIns="91440" tIns="91440" rIns="91440" bIns="91440" numCol="1" spcCol="1270" anchor="ctr" anchorCtr="0">
+          <a:noAutofit/>
+        </a:bodyPr>
+        <a:lstStyle/>
+        <a:p>
+          <a:pPr lvl="0" algn="ctr" defTabSz="1066800">
+            <a:lnSpc>
+              <a:spcPct val="90000"/>
+            </a:lnSpc>
+            <a:spcBef>
+              <a:spcPct val="0"/>
+            </a:spcBef>
+            <a:spcAft>
+              <a:spcPct val="35000"/>
+            </a:spcAft>
+          </a:pPr>
+          <a:r>
+            <a:rPr lang="es-MX" sz="2400" kern="1200" dirty="0" smtClean="0"/>
+            <a:t>UDP</a:t>
+          </a:r>
+        </a:p>
+      </dsp:txBody>
+      <dsp:txXfrm>
+        <a:off x="2198461" y="1083249"/>
+        <a:ext cx="1547322" cy="928393"/>
+      </dsp:txXfrm>
+    </dsp:sp>
+    <dsp:sp modelId="{6DCF0EEC-B55D-4F94-865E-646893A936B7}">
+      <dsp:nvSpPr>
+        <dsp:cNvPr id="0" name=""/>
+        <dsp:cNvSpPr/>
+      </dsp:nvSpPr>
+      <dsp:spPr>
+        <a:xfrm>
+          <a:off x="496406" y="2166375"/>
+          <a:ext cx="1547322" cy="928393"/>
+        </a:xfrm>
+        <a:prstGeom prst="rect">
+          <a:avLst/>
+        </a:prstGeom>
+        <a:gradFill rotWithShape="0">
+          <a:gsLst>
+            <a:gs pos="0">
+              <a:schemeClr val="lt1">
+                <a:hueOff val="0"/>
+                <a:satOff val="0"/>
+                <a:lumOff val="0"/>
+                <a:alphaOff val="0"/>
+                <a:tint val="70000"/>
+                <a:lumMod val="110000"/>
+              </a:schemeClr>
+            </a:gs>
+            <a:gs pos="100000">
+              <a:schemeClr val="lt1">
+                <a:hueOff val="0"/>
+                <a:satOff val="0"/>
+                <a:lumOff val="0"/>
+                <a:alphaOff val="0"/>
+                <a:tint val="82000"/>
+                <a:alpha val="74000"/>
+              </a:schemeClr>
+            </a:gs>
+          </a:gsLst>
+          <a:lin ang="5400000" scaled="0"/>
+        </a:gradFill>
+        <a:ln>
+          <a:noFill/>
+        </a:ln>
+        <a:effectLst/>
+        <a:scene3d>
+          <a:camera prst="orthographicFront"/>
+          <a:lightRig rig="flat" dir="t"/>
+        </a:scene3d>
+        <a:sp3d prstMaterial="dkEdge">
+          <a:bevelT w="8200" h="38100"/>
+        </a:sp3d>
+      </dsp:spPr>
+      <dsp:style>
+        <a:lnRef idx="0">
+          <a:scrgbClr r="0" g="0" b="0"/>
+        </a:lnRef>
+        <a:fillRef idx="2">
+          <a:scrgbClr r="0" g="0" b="0"/>
+        </a:fillRef>
+        <a:effectRef idx="1">
+          <a:scrgbClr r="0" g="0" b="0"/>
+        </a:effectRef>
+        <a:fontRef idx="minor">
+          <a:schemeClr val="dk1"/>
+        </a:fontRef>
+      </dsp:style>
+      <dsp:txBody>
+        <a:bodyPr spcFirstLastPara="0" vert="horz" wrap="square" lIns="91440" tIns="91440" rIns="91440" bIns="91440" numCol="1" spcCol="1270" anchor="ctr" anchorCtr="0">
+          <a:noAutofit/>
+        </a:bodyPr>
+        <a:lstStyle/>
+        <a:p>
+          <a:pPr lvl="0" algn="ctr" defTabSz="1066800">
+            <a:lnSpc>
+              <a:spcPct val="90000"/>
+            </a:lnSpc>
+            <a:spcBef>
+              <a:spcPct val="0"/>
+            </a:spcBef>
+            <a:spcAft>
+              <a:spcPct val="35000"/>
+            </a:spcAft>
+          </a:pPr>
+          <a:r>
+            <a:rPr lang="es-MX" sz="2400" kern="1200" dirty="0" smtClean="0"/>
+            <a:t>Red</a:t>
+          </a:r>
+        </a:p>
+      </dsp:txBody>
+      <dsp:txXfrm>
+        <a:off x="496406" y="2166375"/>
+        <a:ext cx="1547322" cy="928393"/>
+      </dsp:txXfrm>
+    </dsp:sp>
+    <dsp:sp modelId="{C3727989-6091-4DC6-9FF6-98BB3520530D}">
+      <dsp:nvSpPr>
+        <dsp:cNvPr id="0" name=""/>
+        <dsp:cNvSpPr/>
+      </dsp:nvSpPr>
+      <dsp:spPr>
+        <a:xfrm>
+          <a:off x="2198461" y="2166375"/>
+          <a:ext cx="1547322" cy="928393"/>
+        </a:xfrm>
+        <a:prstGeom prst="rect">
+          <a:avLst/>
+        </a:prstGeom>
+        <a:gradFill rotWithShape="0">
+          <a:gsLst>
+            <a:gs pos="0">
+              <a:schemeClr val="lt1">
+                <a:hueOff val="0"/>
+                <a:satOff val="0"/>
+                <a:lumOff val="0"/>
+                <a:alphaOff val="0"/>
+                <a:tint val="70000"/>
+                <a:lumMod val="110000"/>
+              </a:schemeClr>
+            </a:gs>
+            <a:gs pos="100000">
+              <a:schemeClr val="lt1">
+                <a:hueOff val="0"/>
+                <a:satOff val="0"/>
+                <a:lumOff val="0"/>
+                <a:alphaOff val="0"/>
+                <a:tint val="82000"/>
+                <a:alpha val="74000"/>
+              </a:schemeClr>
+            </a:gs>
+          </a:gsLst>
+          <a:lin ang="5400000" scaled="0"/>
+        </a:gradFill>
+        <a:ln>
+          <a:noFill/>
+        </a:ln>
+        <a:effectLst/>
+        <a:scene3d>
+          <a:camera prst="orthographicFront"/>
+          <a:lightRig rig="flat" dir="t"/>
+        </a:scene3d>
+        <a:sp3d prstMaterial="dkEdge">
+          <a:bevelT w="8200" h="38100"/>
+        </a:sp3d>
+      </dsp:spPr>
+      <dsp:style>
+        <a:lnRef idx="0">
+          <a:scrgbClr r="0" g="0" b="0"/>
+        </a:lnRef>
+        <a:fillRef idx="2">
+          <a:scrgbClr r="0" g="0" b="0"/>
+        </a:fillRef>
+        <a:effectRef idx="1">
+          <a:scrgbClr r="0" g="0" b="0"/>
+        </a:effectRef>
+        <a:fontRef idx="minor">
+          <a:schemeClr val="dk1"/>
+        </a:fontRef>
+      </dsp:style>
+      <dsp:txBody>
+        <a:bodyPr spcFirstLastPara="0" vert="horz" wrap="square" lIns="91440" tIns="91440" rIns="91440" bIns="91440" numCol="1" spcCol="1270" anchor="ctr" anchorCtr="0">
+          <a:noAutofit/>
+        </a:bodyPr>
+        <a:lstStyle/>
+        <a:p>
+          <a:pPr lvl="0" algn="ctr" defTabSz="1066800">
+            <a:lnSpc>
+              <a:spcPct val="90000"/>
+            </a:lnSpc>
+            <a:spcBef>
+              <a:spcPct val="0"/>
+            </a:spcBef>
+            <a:spcAft>
+              <a:spcPct val="35000"/>
+            </a:spcAft>
+          </a:pPr>
+          <a:r>
+            <a:rPr lang="es-MX" sz="2400" kern="1200" dirty="0" smtClean="0"/>
+            <a:t>IP</a:t>
+          </a:r>
+        </a:p>
+      </dsp:txBody>
+      <dsp:txXfrm>
+        <a:off x="2198461" y="2166375"/>
+        <a:ext cx="1547322" cy="928393"/>
+      </dsp:txXfrm>
+    </dsp:sp>
   </dsp:spTree>
 </dsp:drawing>
 </file>
@@ -2772,7 +3328,7 @@
             <a:fld id="{B61BEF0D-F0BB-DE4B-95CE-6DB70DBA9567}" type="datetimeFigureOut">
               <a:rPr lang="en-US" dirty="0"/>
               <a:pPr/>
-              <a:t>1/18/2015</a:t>
+              <a:t>1/23/2015</a:t>
             </a:fld>
             <a:endParaRPr lang="en-US" dirty="0"/>
           </a:p>
@@ -3103,7 +3659,7 @@
             <a:fld id="{B61BEF0D-F0BB-DE4B-95CE-6DB70DBA9567}" type="datetimeFigureOut">
               <a:rPr lang="en-US" dirty="0"/>
               <a:pPr/>
-              <a:t>1/18/2015</a:t>
+              <a:t>1/23/2015</a:t>
             </a:fld>
             <a:endParaRPr lang="en-US" dirty="0"/>
           </a:p>
@@ -3378,7 +3934,7 @@
             <a:fld id="{B61BEF0D-F0BB-DE4B-95CE-6DB70DBA9567}" type="datetimeFigureOut">
               <a:rPr lang="en-US" dirty="0"/>
               <a:pPr/>
-              <a:t>1/18/2015</a:t>
+              <a:t>1/23/2015</a:t>
             </a:fld>
             <a:endParaRPr lang="en-US" dirty="0"/>
           </a:p>
@@ -3943,7 +4499,7 @@
             <a:fld id="{B61BEF0D-F0BB-DE4B-95CE-6DB70DBA9567}" type="datetimeFigureOut">
               <a:rPr lang="en-US" dirty="0"/>
               <a:pPr/>
-              <a:t>1/18/2015</a:t>
+              <a:t>1/23/2015</a:t>
             </a:fld>
             <a:endParaRPr lang="en-US" dirty="0"/>
           </a:p>
@@ -4218,7 +4774,7 @@
             <a:fld id="{B61BEF0D-F0BB-DE4B-95CE-6DB70DBA9567}" type="datetimeFigureOut">
               <a:rPr lang="en-US" dirty="0"/>
               <a:pPr/>
-              <a:t>1/18/2015</a:t>
+              <a:t>1/23/2015</a:t>
             </a:fld>
             <a:endParaRPr lang="en-US" dirty="0"/>
           </a:p>
@@ -4777,7 +5333,7 @@
             <a:fld id="{B61BEF0D-F0BB-DE4B-95CE-6DB70DBA9567}" type="datetimeFigureOut">
               <a:rPr lang="en-US" dirty="0"/>
               <a:pPr/>
-              <a:t>1/18/2015</a:t>
+              <a:t>1/23/2015</a:t>
             </a:fld>
             <a:endParaRPr lang="en-US" dirty="0"/>
           </a:p>
@@ -5101,7 +5657,7 @@
             <a:fld id="{B61BEF0D-F0BB-DE4B-95CE-6DB70DBA9567}" type="datetimeFigureOut">
               <a:rPr lang="en-US" dirty="0"/>
               <a:pPr/>
-              <a:t>1/18/2015</a:t>
+              <a:t>1/23/2015</a:t>
             </a:fld>
             <a:endParaRPr lang="en-US" dirty="0"/>
           </a:p>
@@ -5275,7 +5831,7 @@
             <a:fld id="{B61BEF0D-F0BB-DE4B-95CE-6DB70DBA9567}" type="datetimeFigureOut">
               <a:rPr lang="en-US" dirty="0"/>
               <a:pPr/>
-              <a:t>1/18/2015</a:t>
+              <a:t>1/23/2015</a:t>
             </a:fld>
             <a:endParaRPr lang="en-US" dirty="0"/>
           </a:p>
@@ -5510,7 +6066,7 @@
             <a:fld id="{B61BEF0D-F0BB-DE4B-95CE-6DB70DBA9567}" type="datetimeFigureOut">
               <a:rPr lang="en-US" dirty="0"/>
               <a:pPr/>
-              <a:t>1/18/2015</a:t>
+              <a:t>1/23/2015</a:t>
             </a:fld>
             <a:endParaRPr lang="en-US" dirty="0"/>
           </a:p>
@@ -5707,7 +6263,7 @@
             <a:fld id="{B61BEF0D-F0BB-DE4B-95CE-6DB70DBA9567}" type="datetimeFigureOut">
               <a:rPr lang="en-US" dirty="0"/>
               <a:pPr/>
-              <a:t>1/18/2015</a:t>
+              <a:t>1/23/2015</a:t>
             </a:fld>
             <a:endParaRPr lang="en-US" dirty="0"/>
           </a:p>
@@ -5980,7 +6536,7 @@
             <a:fld id="{B61BEF0D-F0BB-DE4B-95CE-6DB70DBA9567}" type="datetimeFigureOut">
               <a:rPr lang="en-US" dirty="0"/>
               <a:pPr/>
-              <a:t>1/18/2015</a:t>
+              <a:t>1/23/2015</a:t>
             </a:fld>
             <a:endParaRPr lang="en-US" dirty="0"/>
           </a:p>
@@ -6243,7 +6799,7 @@
             <a:fld id="{B61BEF0D-F0BB-DE4B-95CE-6DB70DBA9567}" type="datetimeFigureOut">
               <a:rPr lang="en-US" dirty="0"/>
               <a:pPr/>
-              <a:t>1/18/2015</a:t>
+              <a:t>1/23/2015</a:t>
             </a:fld>
             <a:endParaRPr lang="en-US" dirty="0"/>
           </a:p>
@@ -6614,7 +7170,7 @@
             <a:fld id="{B61BEF0D-F0BB-DE4B-95CE-6DB70DBA9567}" type="datetimeFigureOut">
               <a:rPr lang="en-US" dirty="0"/>
               <a:pPr/>
-              <a:t>1/18/2015</a:t>
+              <a:t>1/23/2015</a:t>
             </a:fld>
             <a:endParaRPr lang="en-US" dirty="0"/>
           </a:p>
@@ -6759,7 +7315,7 @@
             <a:fld id="{B61BEF0D-F0BB-DE4B-95CE-6DB70DBA9567}" type="datetimeFigureOut">
               <a:rPr lang="en-US" dirty="0"/>
               <a:pPr/>
-              <a:t>1/18/2015</a:t>
+              <a:t>1/23/2015</a:t>
             </a:fld>
             <a:endParaRPr lang="en-US" dirty="0"/>
           </a:p>
@@ -6881,7 +7437,7 @@
             <a:fld id="{B61BEF0D-F0BB-DE4B-95CE-6DB70DBA9567}" type="datetimeFigureOut">
               <a:rPr lang="en-US" dirty="0"/>
               <a:pPr/>
-              <a:t>1/18/2015</a:t>
+              <a:t>1/23/2015</a:t>
             </a:fld>
             <a:endParaRPr lang="en-US" dirty="0"/>
           </a:p>
@@ -7163,7 +7719,7 @@
             <a:fld id="{B61BEF0D-F0BB-DE4B-95CE-6DB70DBA9567}" type="datetimeFigureOut">
               <a:rPr lang="en-US" dirty="0"/>
               <a:pPr/>
-              <a:t>1/18/2015</a:t>
+              <a:t>1/23/2015</a:t>
             </a:fld>
             <a:endParaRPr lang="en-US" dirty="0"/>
           </a:p>
@@ -7484,7 +8040,7 @@
             <a:fld id="{B61BEF0D-F0BB-DE4B-95CE-6DB70DBA9567}" type="datetimeFigureOut">
               <a:rPr lang="en-US" dirty="0"/>
               <a:pPr/>
-              <a:t>1/18/2015</a:t>
+              <a:t>1/23/2015</a:t>
             </a:fld>
             <a:endParaRPr lang="en-US" dirty="0"/>
           </a:p>
@@ -7695,7 +8251,7 @@
             <a:fld id="{B61BEF0D-F0BB-DE4B-95CE-6DB70DBA9567}" type="datetimeFigureOut">
               <a:rPr lang="en-US" dirty="0"/>
               <a:pPr/>
-              <a:t>1/18/2015</a:t>
+              <a:t>1/23/2015</a:t>
             </a:fld>
             <a:endParaRPr lang="en-US" dirty="0"/>
           </a:p>
@@ -8380,9 +8936,16 @@
             <p:ph type="title"/>
           </p:nvPr>
         </p:nvSpPr>
-        <p:spPr/>
+        <p:spPr>
+          <a:xfrm>
+            <a:off x="685801" y="427703"/>
+            <a:ext cx="10131425" cy="648930"/>
+          </a:xfrm>
+        </p:spPr>
         <p:txBody>
-          <a:bodyPr/>
+          <a:bodyPr>
+            <a:normAutofit/>
+          </a:bodyPr>
           <a:lstStyle/>
           <a:p>
             <a:r>
@@ -8394,7 +8957,7 @@
                   </a:schemeClr>
                 </a:solidFill>
               </a:rPr>
-              <a:t>Levantando el servicio</a:t>
+              <a:t>Configuración del servidor</a:t>
             </a:r>
             <a:endParaRPr lang="es-MX" dirty="0">
               <a:solidFill>
@@ -8417,7 +8980,12 @@
             <p:ph idx="1"/>
           </p:nvPr>
         </p:nvSpPr>
-        <p:spPr/>
+        <p:spPr>
+          <a:xfrm>
+            <a:off x="685801" y="1074668"/>
+            <a:ext cx="10131425" cy="576707"/>
+          </a:xfrm>
+        </p:spPr>
         <p:txBody>
           <a:bodyPr>
             <a:normAutofit/>
@@ -8427,6 +8995,66 @@
             <a:pPr marL="0" indent="0">
               <a:buNone/>
             </a:pPr>
+            <a:r>
+              <a:rPr lang="es-MX" sz="2400" dirty="0" smtClean="0">
+                <a:solidFill>
+                  <a:schemeClr val="bg1">
+                    <a:lumMod val="65000"/>
+                    <a:lumOff val="35000"/>
+                  </a:schemeClr>
+                </a:solidFill>
+                <a:cs typeface="Consolas" panose="020B0609020204030204" pitchFamily="49" charset="0"/>
+              </a:rPr>
+              <a:t>Archivo de configuración </a:t>
+            </a:r>
+            <a:r>
+              <a:rPr lang="es-MX" sz="2400" dirty="0" err="1" smtClean="0">
+                <a:solidFill>
+                  <a:schemeClr val="bg1">
+                    <a:lumMod val="65000"/>
+                    <a:lumOff val="35000"/>
+                  </a:schemeClr>
+                </a:solidFill>
+                <a:cs typeface="Consolas" panose="020B0609020204030204" pitchFamily="49" charset="0"/>
+              </a:rPr>
+              <a:t>isc</a:t>
+            </a:r>
+            <a:r>
+              <a:rPr lang="es-MX" sz="2400" dirty="0" smtClean="0">
+                <a:solidFill>
+                  <a:schemeClr val="bg1">
+                    <a:lumMod val="65000"/>
+                    <a:lumOff val="35000"/>
+                  </a:schemeClr>
+                </a:solidFill>
+                <a:cs typeface="Consolas" panose="020B0609020204030204" pitchFamily="49" charset="0"/>
+              </a:rPr>
+              <a:t>-</a:t>
+            </a:r>
+            <a:r>
+              <a:rPr lang="es-MX" sz="2400" dirty="0" err="1" smtClean="0">
+                <a:solidFill>
+                  <a:schemeClr val="bg1">
+                    <a:lumMod val="65000"/>
+                    <a:lumOff val="35000"/>
+                  </a:schemeClr>
+                </a:solidFill>
+                <a:cs typeface="Consolas" panose="020B0609020204030204" pitchFamily="49" charset="0"/>
+              </a:rPr>
+              <a:t>dhcp</a:t>
+            </a:r>
+            <a:r>
+              <a:rPr lang="es-MX" sz="2400" dirty="0" smtClean="0">
+                <a:solidFill>
+                  <a:schemeClr val="bg1">
+                    <a:lumMod val="65000"/>
+                    <a:lumOff val="35000"/>
+                  </a:schemeClr>
+                </a:solidFill>
+                <a:cs typeface="Consolas" panose="020B0609020204030204" pitchFamily="49" charset="0"/>
+              </a:rPr>
+              <a:t>-server</a:t>
+            </a:r>
             <a:endParaRPr lang="es-MX" sz="2400" dirty="0" smtClean="0">
               <a:solidFill>
                 <a:schemeClr val="bg1">
@@ -8604,6 +9232,30 @@
           </p:txBody>
         </p:sp>
       </p:grpSp>
+      <p:pic>
+        <p:nvPicPr>
+          <p:cNvPr id="2" name="Imagen 1"/>
+          <p:cNvPicPr>
+            <a:picLocks noChangeAspect="1"/>
+          </p:cNvPicPr>
+          <p:nvPr/>
+        </p:nvPicPr>
+        <p:blipFill>
+          <a:blip r:embed="rId3"/>
+          <a:stretch>
+            <a:fillRect/>
+          </a:stretch>
+        </p:blipFill>
+        <p:spPr>
+          <a:xfrm>
+            <a:off x="831590" y="1651375"/>
+            <a:ext cx="10264314" cy="5049571"/>
+          </a:xfrm>
+          <a:prstGeom prst="rect">
+            <a:avLst/>
+          </a:prstGeom>
+        </p:spPr>
+      </p:pic>
     </p:spTree>
     <p:extLst>
       <p:ext uri="{BB962C8B-B14F-4D97-AF65-F5344CB8AC3E}">
@@ -8659,9 +9311,16 @@
             <p:ph type="title"/>
           </p:nvPr>
         </p:nvSpPr>
-        <p:spPr/>
+        <p:spPr>
+          <a:xfrm>
+            <a:off x="685801" y="457200"/>
+            <a:ext cx="10131425" cy="634181"/>
+          </a:xfrm>
+        </p:spPr>
         <p:txBody>
-          <a:bodyPr/>
+          <a:bodyPr>
+            <a:normAutofit fontScale="90000"/>
+          </a:bodyPr>
           <a:lstStyle/>
           <a:p>
             <a:r>
@@ -8673,7 +9332,7 @@
                   </a:schemeClr>
                 </a:solidFill>
               </a:rPr>
-              <a:t>Pruebas de funcionamiento</a:t>
+              <a:t>CONFIGURACIÓN DEL SERVIDOR</a:t>
             </a:r>
             <a:endParaRPr lang="es-MX" dirty="0">
               <a:solidFill>
@@ -8696,7 +9355,12 @@
             <p:ph idx="1"/>
           </p:nvPr>
         </p:nvSpPr>
-        <p:spPr/>
+        <p:spPr>
+          <a:xfrm>
+            <a:off x="685801" y="1040661"/>
+            <a:ext cx="10131425" cy="493172"/>
+          </a:xfrm>
+        </p:spPr>
         <p:txBody>
           <a:bodyPr>
             <a:normAutofit/>
@@ -8706,6 +9370,30 @@
             <a:pPr marL="0" indent="0">
               <a:buNone/>
             </a:pPr>
+            <a:r>
+              <a:rPr lang="es-MX" sz="2400" dirty="0" smtClean="0">
+                <a:solidFill>
+                  <a:schemeClr val="bg1">
+                    <a:lumMod val="65000"/>
+                    <a:lumOff val="35000"/>
+                  </a:schemeClr>
+                </a:solidFill>
+                <a:cs typeface="Consolas" panose="020B0609020204030204" pitchFamily="49" charset="0"/>
+              </a:rPr>
+              <a:t>Configuración </a:t>
+            </a:r>
+            <a:r>
+              <a:rPr lang="es-MX" sz="2400" dirty="0" err="1" smtClean="0">
+                <a:solidFill>
+                  <a:schemeClr val="bg1">
+                    <a:lumMod val="65000"/>
+                    <a:lumOff val="35000"/>
+                  </a:schemeClr>
+                </a:solidFill>
+                <a:cs typeface="Consolas" panose="020B0609020204030204" pitchFamily="49" charset="0"/>
+              </a:rPr>
+              <a:t>dhcp.conf</a:t>
+            </a:r>
             <a:endParaRPr lang="es-MX" sz="2400" dirty="0" smtClean="0">
               <a:solidFill>
                 <a:schemeClr val="bg1">
@@ -8883,6 +9571,29 @@
           </p:txBody>
         </p:sp>
       </p:grpSp>
+      <p:pic>
+        <p:nvPicPr>
+          <p:cNvPr id="3" name="Imagen 2"/>
+          <p:cNvPicPr>
+            <a:picLocks noChangeAspect="1"/>
+          </p:cNvPicPr>
+          <p:nvPr/>
+        </p:nvPicPr>
+        <p:blipFill rotWithShape="1">
+          <a:blip r:embed="rId3"/>
+          <a:srcRect b="32635"/>
+          <a:stretch/>
+        </p:blipFill>
+        <p:spPr>
+          <a:xfrm>
+            <a:off x="459456" y="1533833"/>
+            <a:ext cx="11245247" cy="4645741"/>
+          </a:xfrm>
+          <a:prstGeom prst="rect">
+            <a:avLst/>
+          </a:prstGeom>
+        </p:spPr>
+      </p:pic>
     </p:spTree>
     <p:extLst>
       <p:ext uri="{BB962C8B-B14F-4D97-AF65-F5344CB8AC3E}">
@@ -8904,6 +9615,1485 @@
 </file>
 
 <file path=ppt/slides/slide12.xml><?xml version="1.0" encoding="utf-8"?>
+<p:sld xmlns:a="http://schemas.openxmlformats.org/drawingml/2006/main" xmlns:r="http://schemas.openxmlformats.org/officeDocument/2006/relationships" xmlns:p="http://schemas.openxmlformats.org/presentationml/2006/main">
+  <p:cSld>
+    <p:bg>
+      <p:bgPr>
+        <a:solidFill>
+          <a:schemeClr val="tx1"/>
+        </a:solidFill>
+        <a:effectLst/>
+      </p:bgPr>
+    </p:bg>
+    <p:spTree>
+      <p:nvGrpSpPr>
+        <p:cNvPr id="1" name=""/>
+        <p:cNvGrpSpPr/>
+        <p:nvPr/>
+      </p:nvGrpSpPr>
+      <p:grpSpPr>
+        <a:xfrm>
+          <a:off x="0" y="0"/>
+          <a:ext cx="0" cy="0"/>
+          <a:chOff x="0" y="0"/>
+          <a:chExt cx="0" cy="0"/>
+        </a:xfrm>
+      </p:grpSpPr>
+      <p:sp>
+        <p:nvSpPr>
+          <p:cNvPr id="4" name="Título 3"/>
+          <p:cNvSpPr>
+            <a:spLocks noGrp="1"/>
+          </p:cNvSpPr>
+          <p:nvPr>
+            <p:ph type="title"/>
+          </p:nvPr>
+        </p:nvSpPr>
+        <p:spPr>
+          <a:xfrm>
+            <a:off x="685801" y="457200"/>
+            <a:ext cx="10131425" cy="634181"/>
+          </a:xfrm>
+        </p:spPr>
+        <p:txBody>
+          <a:bodyPr>
+            <a:normAutofit fontScale="90000"/>
+          </a:bodyPr>
+          <a:lstStyle/>
+          <a:p>
+            <a:r>
+              <a:rPr lang="es-MX" dirty="0" smtClean="0">
+                <a:solidFill>
+                  <a:schemeClr val="bg1">
+                    <a:lumMod val="65000"/>
+                    <a:lumOff val="35000"/>
+                  </a:schemeClr>
+                </a:solidFill>
+              </a:rPr>
+              <a:t>CONFIGURACIÓN DEL SERVIDOR</a:t>
+            </a:r>
+            <a:endParaRPr lang="es-MX" dirty="0">
+              <a:solidFill>
+                <a:schemeClr val="bg1">
+                  <a:lumMod val="65000"/>
+                  <a:lumOff val="35000"/>
+                </a:schemeClr>
+              </a:solidFill>
+            </a:endParaRPr>
+          </a:p>
+        </p:txBody>
+      </p:sp>
+      <p:sp>
+        <p:nvSpPr>
+          <p:cNvPr id="5" name="Marcador de contenido 4"/>
+          <p:cNvSpPr>
+            <a:spLocks noGrp="1"/>
+          </p:cNvSpPr>
+          <p:nvPr>
+            <p:ph idx="1"/>
+          </p:nvPr>
+        </p:nvSpPr>
+        <p:spPr>
+          <a:xfrm>
+            <a:off x="685801" y="1040661"/>
+            <a:ext cx="10131425" cy="493172"/>
+          </a:xfrm>
+        </p:spPr>
+        <p:txBody>
+          <a:bodyPr>
+            <a:normAutofit/>
+          </a:bodyPr>
+          <a:lstStyle/>
+          <a:p>
+            <a:pPr marL="0" indent="0">
+              <a:buNone/>
+            </a:pPr>
+            <a:r>
+              <a:rPr lang="es-MX" sz="2400" dirty="0" smtClean="0">
+                <a:solidFill>
+                  <a:schemeClr val="bg1">
+                    <a:lumMod val="65000"/>
+                    <a:lumOff val="35000"/>
+                  </a:schemeClr>
+                </a:solidFill>
+                <a:cs typeface="Consolas" panose="020B0609020204030204" pitchFamily="49" charset="0"/>
+              </a:rPr>
+              <a:t>Configuración </a:t>
+            </a:r>
+            <a:r>
+              <a:rPr lang="es-MX" sz="2400" dirty="0" err="1" smtClean="0">
+                <a:solidFill>
+                  <a:schemeClr val="bg1">
+                    <a:lumMod val="65000"/>
+                    <a:lumOff val="35000"/>
+                  </a:schemeClr>
+                </a:solidFill>
+                <a:cs typeface="Consolas" panose="020B0609020204030204" pitchFamily="49" charset="0"/>
+              </a:rPr>
+              <a:t>dhcp.conf</a:t>
+            </a:r>
+            <a:endParaRPr lang="es-MX" sz="2400" dirty="0" smtClean="0">
+              <a:solidFill>
+                <a:schemeClr val="bg1">
+                  <a:lumMod val="65000"/>
+                  <a:lumOff val="35000"/>
+                </a:schemeClr>
+              </a:solidFill>
+              <a:cs typeface="Consolas" panose="020B0609020204030204" pitchFamily="49" charset="0"/>
+            </a:endParaRPr>
+          </a:p>
+        </p:txBody>
+      </p:sp>
+      <p:grpSp>
+        <p:nvGrpSpPr>
+          <p:cNvPr id="8" name="Grupo 7"/>
+          <p:cNvGrpSpPr/>
+          <p:nvPr/>
+        </p:nvGrpSpPr>
+        <p:grpSpPr>
+          <a:xfrm>
+            <a:off x="9713741" y="-1185793"/>
+            <a:ext cx="3123027" cy="3221501"/>
+            <a:chOff x="9404251" y="-316522"/>
+            <a:chExt cx="3123027" cy="3221501"/>
+          </a:xfrm>
+        </p:grpSpPr>
+        <p:sp>
+          <p:nvSpPr>
+            <p:cNvPr id="9" name="Anillo 8"/>
+            <p:cNvSpPr/>
+            <p:nvPr/>
+          </p:nvSpPr>
+          <p:spPr>
+            <a:xfrm rot="18388880">
+              <a:off x="9355014" y="-267285"/>
+              <a:ext cx="3221501" cy="3123027"/>
+            </a:xfrm>
+            <a:prstGeom prst="donut">
+              <a:avLst>
+                <a:gd name="adj" fmla="val 6079"/>
+              </a:avLst>
+            </a:prstGeom>
+            <a:blipFill dpi="0" rotWithShape="1">
+              <a:blip r:embed="rId2">
+                <a:alphaModFix amt="30000"/>
+              </a:blip>
+              <a:srcRect/>
+              <a:stretch>
+                <a:fillRect/>
+              </a:stretch>
+            </a:blipFill>
+            <a:ln>
+              <a:noFill/>
+            </a:ln>
+          </p:spPr>
+          <p:style>
+            <a:lnRef idx="1">
+              <a:schemeClr val="accent1"/>
+            </a:lnRef>
+            <a:fillRef idx="1003">
+              <a:schemeClr val="lt1"/>
+            </a:fillRef>
+            <a:effectRef idx="2">
+              <a:schemeClr val="accent1"/>
+            </a:effectRef>
+            <a:fontRef idx="minor">
+              <a:schemeClr val="lt1"/>
+            </a:fontRef>
+          </p:style>
+          <p:txBody>
+            <a:bodyPr rtlCol="0" anchor="ctr"/>
+            <a:lstStyle/>
+            <a:p>
+              <a:pPr algn="ctr"/>
+              <a:endParaRPr lang="es-MX" b="1">
+                <a:ln w="12700">
+                  <a:solidFill>
+                    <a:schemeClr val="accent1"/>
+                  </a:solidFill>
+                  <a:prstDash val="solid"/>
+                </a:ln>
+                <a:pattFill prst="pct50">
+                  <a:fgClr>
+                    <a:schemeClr val="accent1"/>
+                  </a:fgClr>
+                  <a:bgClr>
+                    <a:schemeClr val="accent1">
+                      <a:lumMod val="20000"/>
+                      <a:lumOff val="80000"/>
+                    </a:schemeClr>
+                  </a:bgClr>
+                </a:pattFill>
+                <a:effectLst>
+                  <a:outerShdw dist="38100" dir="2640000" algn="bl" rotWithShape="0">
+                    <a:schemeClr val="accent1"/>
+                  </a:outerShdw>
+                </a:effectLst>
+              </a:endParaRPr>
+            </a:p>
+          </p:txBody>
+        </p:sp>
+        <p:sp>
+          <p:nvSpPr>
+            <p:cNvPr id="10" name="Anillo 9"/>
+            <p:cNvSpPr/>
+            <p:nvPr/>
+          </p:nvSpPr>
+          <p:spPr>
+            <a:xfrm rot="18388880">
+              <a:off x="9794972" y="137979"/>
+              <a:ext cx="2373579" cy="2323867"/>
+            </a:xfrm>
+            <a:prstGeom prst="donut">
+              <a:avLst>
+                <a:gd name="adj" fmla="val 9711"/>
+              </a:avLst>
+            </a:prstGeom>
+            <a:blipFill dpi="0" rotWithShape="1">
+              <a:blip r:embed="rId2">
+                <a:alphaModFix amt="30000"/>
+              </a:blip>
+              <a:srcRect/>
+              <a:stretch>
+                <a:fillRect/>
+              </a:stretch>
+            </a:blipFill>
+            <a:ln>
+              <a:noFill/>
+            </a:ln>
+          </p:spPr>
+          <p:style>
+            <a:lnRef idx="1">
+              <a:schemeClr val="accent1"/>
+            </a:lnRef>
+            <a:fillRef idx="1003">
+              <a:schemeClr val="lt1"/>
+            </a:fillRef>
+            <a:effectRef idx="2">
+              <a:schemeClr val="accent1"/>
+            </a:effectRef>
+            <a:fontRef idx="minor">
+              <a:schemeClr val="lt1"/>
+            </a:fontRef>
+          </p:style>
+          <p:txBody>
+            <a:bodyPr rtlCol="0" anchor="ctr"/>
+            <a:lstStyle/>
+            <a:p>
+              <a:pPr algn="ctr"/>
+              <a:endParaRPr lang="es-MX" b="1">
+                <a:ln w="12700">
+                  <a:solidFill>
+                    <a:schemeClr val="accent1"/>
+                  </a:solidFill>
+                  <a:prstDash val="solid"/>
+                </a:ln>
+                <a:pattFill prst="pct50">
+                  <a:fgClr>
+                    <a:schemeClr val="accent1"/>
+                  </a:fgClr>
+                  <a:bgClr>
+                    <a:schemeClr val="accent1">
+                      <a:lumMod val="20000"/>
+                      <a:lumOff val="80000"/>
+                    </a:schemeClr>
+                  </a:bgClr>
+                </a:pattFill>
+                <a:effectLst>
+                  <a:outerShdw dist="38100" dir="2640000" algn="bl" rotWithShape="0">
+                    <a:schemeClr val="accent1"/>
+                  </a:outerShdw>
+                </a:effectLst>
+              </a:endParaRPr>
+            </a:p>
+          </p:txBody>
+        </p:sp>
+      </p:grpSp>
+      <p:pic>
+        <p:nvPicPr>
+          <p:cNvPr id="2" name="Imagen 1"/>
+          <p:cNvPicPr>
+            <a:picLocks noChangeAspect="1"/>
+          </p:cNvPicPr>
+          <p:nvPr/>
+        </p:nvPicPr>
+        <p:blipFill>
+          <a:blip r:embed="rId3"/>
+          <a:stretch>
+            <a:fillRect/>
+          </a:stretch>
+        </p:blipFill>
+        <p:spPr>
+          <a:xfrm>
+            <a:off x="420330" y="1533833"/>
+            <a:ext cx="11339283" cy="4852219"/>
+          </a:xfrm>
+          <a:prstGeom prst="rect">
+            <a:avLst/>
+          </a:prstGeom>
+        </p:spPr>
+      </p:pic>
+    </p:spTree>
+    <p:extLst>
+      <p:ext uri="{BB962C8B-B14F-4D97-AF65-F5344CB8AC3E}">
+        <p14:creationId xmlns:p14="http://schemas.microsoft.com/office/powerpoint/2010/main" val="3208394498"/>
+      </p:ext>
+    </p:extLst>
+  </p:cSld>
+  <p:clrMapOvr>
+    <a:masterClrMapping/>
+  </p:clrMapOvr>
+  <p:timing>
+    <p:tnLst>
+      <p:par>
+        <p:cTn id="1" dur="indefinite" restart="never" nodeType="tmRoot"/>
+      </p:par>
+    </p:tnLst>
+  </p:timing>
+</p:sld>
+</file>
+
+<file path=ppt/slides/slide13.xml><?xml version="1.0" encoding="utf-8"?>
+<p:sld xmlns:a="http://schemas.openxmlformats.org/drawingml/2006/main" xmlns:r="http://schemas.openxmlformats.org/officeDocument/2006/relationships" xmlns:p="http://schemas.openxmlformats.org/presentationml/2006/main">
+  <p:cSld>
+    <p:bg>
+      <p:bgPr>
+        <a:solidFill>
+          <a:schemeClr val="tx1"/>
+        </a:solidFill>
+        <a:effectLst/>
+      </p:bgPr>
+    </p:bg>
+    <p:spTree>
+      <p:nvGrpSpPr>
+        <p:cNvPr id="1" name=""/>
+        <p:cNvGrpSpPr/>
+        <p:nvPr/>
+      </p:nvGrpSpPr>
+      <p:grpSpPr>
+        <a:xfrm>
+          <a:off x="0" y="0"/>
+          <a:ext cx="0" cy="0"/>
+          <a:chOff x="0" y="0"/>
+          <a:chExt cx="0" cy="0"/>
+        </a:xfrm>
+      </p:grpSpPr>
+      <p:sp>
+        <p:nvSpPr>
+          <p:cNvPr id="4" name="Título 3"/>
+          <p:cNvSpPr>
+            <a:spLocks noGrp="1"/>
+          </p:cNvSpPr>
+          <p:nvPr>
+            <p:ph type="title"/>
+          </p:nvPr>
+        </p:nvSpPr>
+        <p:spPr>
+          <a:xfrm>
+            <a:off x="685801" y="424957"/>
+            <a:ext cx="10131425" cy="452284"/>
+          </a:xfrm>
+        </p:spPr>
+        <p:txBody>
+          <a:bodyPr>
+            <a:normAutofit fontScale="90000"/>
+          </a:bodyPr>
+          <a:lstStyle/>
+          <a:p>
+            <a:r>
+              <a:rPr lang="es-MX" dirty="0" smtClean="0">
+                <a:solidFill>
+                  <a:schemeClr val="bg1">
+                    <a:lumMod val="65000"/>
+                    <a:lumOff val="35000"/>
+                  </a:schemeClr>
+                </a:solidFill>
+              </a:rPr>
+              <a:t>LEVANTANDO EL SERVICIO</a:t>
+            </a:r>
+            <a:endParaRPr lang="es-MX" dirty="0">
+              <a:solidFill>
+                <a:schemeClr val="bg1">
+                  <a:lumMod val="65000"/>
+                  <a:lumOff val="35000"/>
+                </a:schemeClr>
+              </a:solidFill>
+            </a:endParaRPr>
+          </a:p>
+        </p:txBody>
+      </p:sp>
+      <p:sp>
+        <p:nvSpPr>
+          <p:cNvPr id="5" name="Marcador de contenido 4"/>
+          <p:cNvSpPr>
+            <a:spLocks noGrp="1"/>
+          </p:cNvSpPr>
+          <p:nvPr>
+            <p:ph idx="1"/>
+          </p:nvPr>
+        </p:nvSpPr>
+        <p:spPr>
+          <a:xfrm>
+            <a:off x="685801" y="2739045"/>
+            <a:ext cx="10131425" cy="3052155"/>
+          </a:xfrm>
+        </p:spPr>
+        <p:txBody>
+          <a:bodyPr>
+            <a:normAutofit/>
+          </a:bodyPr>
+          <a:lstStyle/>
+          <a:p>
+            <a:pPr marL="0" indent="0">
+              <a:buNone/>
+            </a:pPr>
+            <a:r>
+              <a:rPr lang="es-MX" sz="2400" dirty="0" smtClean="0">
+                <a:solidFill>
+                  <a:schemeClr val="bg1">
+                    <a:lumMod val="65000"/>
+                    <a:lumOff val="35000"/>
+                  </a:schemeClr>
+                </a:solidFill>
+              </a:rPr>
+              <a:t>Reiniciar las interfaces</a:t>
+            </a:r>
+          </a:p>
+          <a:p>
+            <a:pPr marL="0" indent="0">
+              <a:buNone/>
+            </a:pPr>
+            <a:endParaRPr lang="es-MX" sz="2400" dirty="0">
+              <a:solidFill>
+                <a:schemeClr val="bg1">
+                  <a:lumMod val="65000"/>
+                  <a:lumOff val="35000"/>
+                </a:schemeClr>
+              </a:solidFill>
+              <a:cs typeface="Consolas" panose="020B0609020204030204" pitchFamily="49" charset="0"/>
+            </a:endParaRPr>
+          </a:p>
+          <a:p>
+            <a:pPr marL="0" indent="0">
+              <a:buNone/>
+            </a:pPr>
+            <a:r>
+              <a:rPr lang="es-MX" sz="2400" dirty="0" smtClean="0">
+                <a:solidFill>
+                  <a:schemeClr val="bg1">
+                    <a:lumMod val="65000"/>
+                    <a:lumOff val="35000"/>
+                  </a:schemeClr>
+                </a:solidFill>
+                <a:cs typeface="Consolas" panose="020B0609020204030204" pitchFamily="49" charset="0"/>
+              </a:rPr>
+              <a:t>Reiniciar/Iniciar el servicio de </a:t>
+            </a:r>
+            <a:r>
+              <a:rPr lang="es-MX" sz="2400" dirty="0" err="1" smtClean="0">
+                <a:solidFill>
+                  <a:schemeClr val="bg1">
+                    <a:lumMod val="65000"/>
+                    <a:lumOff val="35000"/>
+                  </a:schemeClr>
+                </a:solidFill>
+                <a:cs typeface="Consolas" panose="020B0609020204030204" pitchFamily="49" charset="0"/>
+              </a:rPr>
+              <a:t>dhcp</a:t>
+            </a:r>
+            <a:endParaRPr lang="es-MX" sz="2400" dirty="0">
+              <a:solidFill>
+                <a:schemeClr val="bg1">
+                  <a:lumMod val="65000"/>
+                  <a:lumOff val="35000"/>
+                </a:schemeClr>
+              </a:solidFill>
+              <a:cs typeface="Consolas" panose="020B0609020204030204" pitchFamily="49" charset="0"/>
+            </a:endParaRPr>
+          </a:p>
+          <a:p>
+            <a:pPr marL="0" indent="0">
+              <a:buNone/>
+            </a:pPr>
+            <a:endParaRPr lang="es-MX" sz="2400" dirty="0" smtClean="0">
+              <a:solidFill>
+                <a:schemeClr val="bg1">
+                  <a:lumMod val="65000"/>
+                  <a:lumOff val="35000"/>
+                </a:schemeClr>
+              </a:solidFill>
+              <a:cs typeface="Consolas" panose="020B0609020204030204" pitchFamily="49" charset="0"/>
+            </a:endParaRPr>
+          </a:p>
+        </p:txBody>
+      </p:sp>
+      <p:grpSp>
+        <p:nvGrpSpPr>
+          <p:cNvPr id="8" name="Grupo 7"/>
+          <p:cNvGrpSpPr/>
+          <p:nvPr/>
+        </p:nvGrpSpPr>
+        <p:grpSpPr>
+          <a:xfrm>
+            <a:off x="9713741" y="-1185793"/>
+            <a:ext cx="3123027" cy="3221501"/>
+            <a:chOff x="9404251" y="-316522"/>
+            <a:chExt cx="3123027" cy="3221501"/>
+          </a:xfrm>
+        </p:grpSpPr>
+        <p:sp>
+          <p:nvSpPr>
+            <p:cNvPr id="9" name="Anillo 8"/>
+            <p:cNvSpPr/>
+            <p:nvPr/>
+          </p:nvSpPr>
+          <p:spPr>
+            <a:xfrm rot="18388880">
+              <a:off x="9355014" y="-267285"/>
+              <a:ext cx="3221501" cy="3123027"/>
+            </a:xfrm>
+            <a:prstGeom prst="donut">
+              <a:avLst>
+                <a:gd name="adj" fmla="val 6079"/>
+              </a:avLst>
+            </a:prstGeom>
+            <a:blipFill dpi="0" rotWithShape="1">
+              <a:blip r:embed="rId2">
+                <a:alphaModFix amt="30000"/>
+              </a:blip>
+              <a:srcRect/>
+              <a:stretch>
+                <a:fillRect/>
+              </a:stretch>
+            </a:blipFill>
+            <a:ln>
+              <a:noFill/>
+            </a:ln>
+          </p:spPr>
+          <p:style>
+            <a:lnRef idx="1">
+              <a:schemeClr val="accent1"/>
+            </a:lnRef>
+            <a:fillRef idx="1003">
+              <a:schemeClr val="lt1"/>
+            </a:fillRef>
+            <a:effectRef idx="2">
+              <a:schemeClr val="accent1"/>
+            </a:effectRef>
+            <a:fontRef idx="minor">
+              <a:schemeClr val="lt1"/>
+            </a:fontRef>
+          </p:style>
+          <p:txBody>
+            <a:bodyPr rtlCol="0" anchor="ctr"/>
+            <a:lstStyle/>
+            <a:p>
+              <a:pPr algn="ctr"/>
+              <a:endParaRPr lang="es-MX" b="1">
+                <a:ln w="12700">
+                  <a:solidFill>
+                    <a:schemeClr val="accent1"/>
+                  </a:solidFill>
+                  <a:prstDash val="solid"/>
+                </a:ln>
+                <a:pattFill prst="pct50">
+                  <a:fgClr>
+                    <a:schemeClr val="accent1"/>
+                  </a:fgClr>
+                  <a:bgClr>
+                    <a:schemeClr val="accent1">
+                      <a:lumMod val="20000"/>
+                      <a:lumOff val="80000"/>
+                    </a:schemeClr>
+                  </a:bgClr>
+                </a:pattFill>
+                <a:effectLst>
+                  <a:outerShdw dist="38100" dir="2640000" algn="bl" rotWithShape="0">
+                    <a:schemeClr val="accent1"/>
+                  </a:outerShdw>
+                </a:effectLst>
+              </a:endParaRPr>
+            </a:p>
+          </p:txBody>
+        </p:sp>
+        <p:sp>
+          <p:nvSpPr>
+            <p:cNvPr id="10" name="Anillo 9"/>
+            <p:cNvSpPr/>
+            <p:nvPr/>
+          </p:nvSpPr>
+          <p:spPr>
+            <a:xfrm rot="18388880">
+              <a:off x="9794972" y="137979"/>
+              <a:ext cx="2373579" cy="2323867"/>
+            </a:xfrm>
+            <a:prstGeom prst="donut">
+              <a:avLst>
+                <a:gd name="adj" fmla="val 9711"/>
+              </a:avLst>
+            </a:prstGeom>
+            <a:blipFill dpi="0" rotWithShape="1">
+              <a:blip r:embed="rId2">
+                <a:alphaModFix amt="30000"/>
+              </a:blip>
+              <a:srcRect/>
+              <a:stretch>
+                <a:fillRect/>
+              </a:stretch>
+            </a:blipFill>
+            <a:ln>
+              <a:noFill/>
+            </a:ln>
+          </p:spPr>
+          <p:style>
+            <a:lnRef idx="1">
+              <a:schemeClr val="accent1"/>
+            </a:lnRef>
+            <a:fillRef idx="1003">
+              <a:schemeClr val="lt1"/>
+            </a:fillRef>
+            <a:effectRef idx="2">
+              <a:schemeClr val="accent1"/>
+            </a:effectRef>
+            <a:fontRef idx="minor">
+              <a:schemeClr val="lt1"/>
+            </a:fontRef>
+          </p:style>
+          <p:txBody>
+            <a:bodyPr rtlCol="0" anchor="ctr"/>
+            <a:lstStyle/>
+            <a:p>
+              <a:pPr algn="ctr"/>
+              <a:endParaRPr lang="es-MX" b="1">
+                <a:ln w="12700">
+                  <a:solidFill>
+                    <a:schemeClr val="accent1"/>
+                  </a:solidFill>
+                  <a:prstDash val="solid"/>
+                </a:ln>
+                <a:pattFill prst="pct50">
+                  <a:fgClr>
+                    <a:schemeClr val="accent1"/>
+                  </a:fgClr>
+                  <a:bgClr>
+                    <a:schemeClr val="accent1">
+                      <a:lumMod val="20000"/>
+                      <a:lumOff val="80000"/>
+                    </a:schemeClr>
+                  </a:bgClr>
+                </a:pattFill>
+                <a:effectLst>
+                  <a:outerShdw dist="38100" dir="2640000" algn="bl" rotWithShape="0">
+                    <a:schemeClr val="accent1"/>
+                  </a:outerShdw>
+                </a:effectLst>
+              </a:endParaRPr>
+            </a:p>
+          </p:txBody>
+        </p:sp>
+      </p:grpSp>
+      <p:pic>
+        <p:nvPicPr>
+          <p:cNvPr id="2" name="Imagen 1"/>
+          <p:cNvPicPr>
+            <a:picLocks noChangeAspect="1"/>
+          </p:cNvPicPr>
+          <p:nvPr/>
+        </p:nvPicPr>
+        <p:blipFill rotWithShape="1">
+          <a:blip r:embed="rId3"/>
+          <a:srcRect t="10430"/>
+          <a:stretch/>
+        </p:blipFill>
+        <p:spPr>
+          <a:xfrm>
+            <a:off x="748174" y="1099650"/>
+            <a:ext cx="10006677" cy="1416986"/>
+          </a:xfrm>
+          <a:prstGeom prst="rect">
+            <a:avLst/>
+          </a:prstGeom>
+        </p:spPr>
+      </p:pic>
+      <p:sp>
+        <p:nvSpPr>
+          <p:cNvPr id="12" name="CuadroTexto 11"/>
+          <p:cNvSpPr txBox="1"/>
+          <p:nvPr/>
+        </p:nvSpPr>
+        <p:spPr>
+          <a:xfrm>
+            <a:off x="685801" y="3705239"/>
+            <a:ext cx="10131425" cy="369332"/>
+          </a:xfrm>
+          <a:prstGeom prst="rect">
+            <a:avLst/>
+          </a:prstGeom>
+          <a:solidFill>
+            <a:schemeClr val="tx1">
+              <a:lumMod val="85000"/>
+            </a:schemeClr>
+          </a:solidFill>
+        </p:spPr>
+        <p:txBody>
+          <a:bodyPr wrap="square" rtlCol="0">
+            <a:spAutoFit/>
+          </a:bodyPr>
+          <a:lstStyle/>
+          <a:p>
+            <a:r>
+              <a:rPr lang="es-MX" b="1" dirty="0">
+                <a:solidFill>
+                  <a:schemeClr val="bg1">
+                    <a:lumMod val="65000"/>
+                    <a:lumOff val="35000"/>
+                  </a:schemeClr>
+                </a:solidFill>
+                <a:latin typeface="Lucida Console" panose="020B0609040504020204" pitchFamily="49" charset="0"/>
+                <a:cs typeface="Consolas" panose="020B0609020204030204" pitchFamily="49" charset="0"/>
+              </a:rPr>
+              <a:t># </a:t>
+            </a:r>
+            <a:r>
+              <a:rPr lang="es-MX" b="1" dirty="0" smtClean="0">
+                <a:solidFill>
+                  <a:schemeClr val="bg1">
+                    <a:lumMod val="65000"/>
+                    <a:lumOff val="35000"/>
+                  </a:schemeClr>
+                </a:solidFill>
+                <a:latin typeface="Lucida Console" panose="020B0609040504020204" pitchFamily="49" charset="0"/>
+                <a:cs typeface="Consolas" panose="020B0609020204030204" pitchFamily="49" charset="0"/>
+              </a:rPr>
+              <a:t>/</a:t>
+            </a:r>
+            <a:r>
+              <a:rPr lang="es-MX" b="1" dirty="0" err="1" smtClean="0">
+                <a:solidFill>
+                  <a:schemeClr val="bg1">
+                    <a:lumMod val="65000"/>
+                    <a:lumOff val="35000"/>
+                  </a:schemeClr>
+                </a:solidFill>
+                <a:latin typeface="Lucida Console" panose="020B0609040504020204" pitchFamily="49" charset="0"/>
+                <a:cs typeface="Consolas" panose="020B0609020204030204" pitchFamily="49" charset="0"/>
+              </a:rPr>
+              <a:t>etc</a:t>
+            </a:r>
+            <a:r>
+              <a:rPr lang="es-MX" b="1" dirty="0" smtClean="0">
+                <a:solidFill>
+                  <a:schemeClr val="bg1">
+                    <a:lumMod val="65000"/>
+                    <a:lumOff val="35000"/>
+                  </a:schemeClr>
+                </a:solidFill>
+                <a:latin typeface="Lucida Console" panose="020B0609040504020204" pitchFamily="49" charset="0"/>
+                <a:cs typeface="Consolas" panose="020B0609020204030204" pitchFamily="49" charset="0"/>
+              </a:rPr>
+              <a:t>/</a:t>
+            </a:r>
+            <a:r>
+              <a:rPr lang="es-MX" b="1" dirty="0" err="1" smtClean="0">
+                <a:solidFill>
+                  <a:schemeClr val="bg1">
+                    <a:lumMod val="65000"/>
+                    <a:lumOff val="35000"/>
+                  </a:schemeClr>
+                </a:solidFill>
+                <a:latin typeface="Lucida Console" panose="020B0609040504020204" pitchFamily="49" charset="0"/>
+                <a:cs typeface="Consolas" panose="020B0609020204030204" pitchFamily="49" charset="0"/>
+              </a:rPr>
+              <a:t>init.d</a:t>
+            </a:r>
+            <a:r>
+              <a:rPr lang="es-MX" b="1" dirty="0" smtClean="0">
+                <a:solidFill>
+                  <a:schemeClr val="bg1">
+                    <a:lumMod val="65000"/>
+                    <a:lumOff val="35000"/>
+                  </a:schemeClr>
+                </a:solidFill>
+                <a:latin typeface="Lucida Console" panose="020B0609040504020204" pitchFamily="49" charset="0"/>
+                <a:cs typeface="Consolas" panose="020B0609020204030204" pitchFamily="49" charset="0"/>
+              </a:rPr>
+              <a:t>/</a:t>
+            </a:r>
+            <a:r>
+              <a:rPr lang="es-MX" b="1" dirty="0" err="1" smtClean="0">
+                <a:solidFill>
+                  <a:schemeClr val="bg1">
+                    <a:lumMod val="65000"/>
+                    <a:lumOff val="35000"/>
+                  </a:schemeClr>
+                </a:solidFill>
+                <a:latin typeface="Lucida Console" panose="020B0609040504020204" pitchFamily="49" charset="0"/>
+                <a:cs typeface="Consolas" panose="020B0609020204030204" pitchFamily="49" charset="0"/>
+              </a:rPr>
+              <a:t>networking</a:t>
+            </a:r>
+            <a:r>
+              <a:rPr lang="es-MX" b="1" dirty="0" smtClean="0">
+                <a:solidFill>
+                  <a:schemeClr val="bg1">
+                    <a:lumMod val="65000"/>
+                    <a:lumOff val="35000"/>
+                  </a:schemeClr>
+                </a:solidFill>
+                <a:latin typeface="Lucida Console" panose="020B0609040504020204" pitchFamily="49" charset="0"/>
+                <a:cs typeface="Consolas" panose="020B0609020204030204" pitchFamily="49" charset="0"/>
+              </a:rPr>
+              <a:t> </a:t>
+            </a:r>
+            <a:r>
+              <a:rPr lang="es-MX" b="1" dirty="0" err="1" smtClean="0">
+                <a:solidFill>
+                  <a:schemeClr val="bg1">
+                    <a:lumMod val="65000"/>
+                    <a:lumOff val="35000"/>
+                  </a:schemeClr>
+                </a:solidFill>
+                <a:latin typeface="Lucida Console" panose="020B0609040504020204" pitchFamily="49" charset="0"/>
+                <a:cs typeface="Consolas" panose="020B0609020204030204" pitchFamily="49" charset="0"/>
+              </a:rPr>
+              <a:t>restart</a:t>
+            </a:r>
+            <a:endParaRPr lang="es-MX" b="1" dirty="0">
+              <a:solidFill>
+                <a:schemeClr val="bg1">
+                  <a:lumMod val="65000"/>
+                  <a:lumOff val="35000"/>
+                </a:schemeClr>
+              </a:solidFill>
+              <a:latin typeface="Lucida Console" panose="020B0609040504020204" pitchFamily="49" charset="0"/>
+              <a:cs typeface="Consolas" panose="020B0609020204030204" pitchFamily="49" charset="0"/>
+            </a:endParaRPr>
+          </a:p>
+        </p:txBody>
+      </p:sp>
+      <p:sp>
+        <p:nvSpPr>
+          <p:cNvPr id="13" name="CuadroTexto 12"/>
+          <p:cNvSpPr txBox="1"/>
+          <p:nvPr/>
+        </p:nvSpPr>
+        <p:spPr>
+          <a:xfrm>
+            <a:off x="685799" y="4748219"/>
+            <a:ext cx="10131425" cy="369332"/>
+          </a:xfrm>
+          <a:prstGeom prst="rect">
+            <a:avLst/>
+          </a:prstGeom>
+          <a:solidFill>
+            <a:schemeClr val="tx1">
+              <a:lumMod val="85000"/>
+            </a:schemeClr>
+          </a:solidFill>
+        </p:spPr>
+        <p:txBody>
+          <a:bodyPr wrap="square" rtlCol="0">
+            <a:spAutoFit/>
+          </a:bodyPr>
+          <a:lstStyle/>
+          <a:p>
+            <a:r>
+              <a:rPr lang="es-MX" b="1" dirty="0">
+                <a:solidFill>
+                  <a:schemeClr val="bg1">
+                    <a:lumMod val="65000"/>
+                    <a:lumOff val="35000"/>
+                  </a:schemeClr>
+                </a:solidFill>
+                <a:latin typeface="Lucida Console" panose="020B0609040504020204" pitchFamily="49" charset="0"/>
+                <a:cs typeface="Consolas" panose="020B0609020204030204" pitchFamily="49" charset="0"/>
+              </a:rPr>
+              <a:t># </a:t>
+            </a:r>
+            <a:r>
+              <a:rPr lang="es-MX" b="1" dirty="0" smtClean="0">
+                <a:solidFill>
+                  <a:schemeClr val="bg1">
+                    <a:lumMod val="65000"/>
+                    <a:lumOff val="35000"/>
+                  </a:schemeClr>
+                </a:solidFill>
+                <a:latin typeface="Lucida Console" panose="020B0609040504020204" pitchFamily="49" charset="0"/>
+                <a:cs typeface="Consolas" panose="020B0609020204030204" pitchFamily="49" charset="0"/>
+              </a:rPr>
+              <a:t>/</a:t>
+            </a:r>
+            <a:r>
+              <a:rPr lang="es-MX" b="1" dirty="0" err="1" smtClean="0">
+                <a:solidFill>
+                  <a:schemeClr val="bg1">
+                    <a:lumMod val="65000"/>
+                    <a:lumOff val="35000"/>
+                  </a:schemeClr>
+                </a:solidFill>
+                <a:latin typeface="Lucida Console" panose="020B0609040504020204" pitchFamily="49" charset="0"/>
+                <a:cs typeface="Consolas" panose="020B0609020204030204" pitchFamily="49" charset="0"/>
+              </a:rPr>
+              <a:t>etc</a:t>
+            </a:r>
+            <a:r>
+              <a:rPr lang="es-MX" b="1" dirty="0" smtClean="0">
+                <a:solidFill>
+                  <a:schemeClr val="bg1">
+                    <a:lumMod val="65000"/>
+                    <a:lumOff val="35000"/>
+                  </a:schemeClr>
+                </a:solidFill>
+                <a:latin typeface="Lucida Console" panose="020B0609040504020204" pitchFamily="49" charset="0"/>
+                <a:cs typeface="Consolas" panose="020B0609020204030204" pitchFamily="49" charset="0"/>
+              </a:rPr>
+              <a:t>/</a:t>
+            </a:r>
+            <a:r>
+              <a:rPr lang="es-MX" b="1" dirty="0" err="1" smtClean="0">
+                <a:solidFill>
+                  <a:schemeClr val="bg1">
+                    <a:lumMod val="65000"/>
+                    <a:lumOff val="35000"/>
+                  </a:schemeClr>
+                </a:solidFill>
+                <a:latin typeface="Lucida Console" panose="020B0609040504020204" pitchFamily="49" charset="0"/>
+                <a:cs typeface="Consolas" panose="020B0609020204030204" pitchFamily="49" charset="0"/>
+              </a:rPr>
+              <a:t>init.d</a:t>
+            </a:r>
+            <a:r>
+              <a:rPr lang="es-MX" b="1" dirty="0" smtClean="0">
+                <a:solidFill>
+                  <a:schemeClr val="bg1">
+                    <a:lumMod val="65000"/>
+                    <a:lumOff val="35000"/>
+                  </a:schemeClr>
+                </a:solidFill>
+                <a:latin typeface="Lucida Console" panose="020B0609040504020204" pitchFamily="49" charset="0"/>
+                <a:cs typeface="Consolas" panose="020B0609020204030204" pitchFamily="49" charset="0"/>
+              </a:rPr>
+              <a:t>/</a:t>
+            </a:r>
+            <a:r>
+              <a:rPr lang="es-MX" b="1" dirty="0" err="1" smtClean="0">
+                <a:solidFill>
+                  <a:schemeClr val="bg1">
+                    <a:lumMod val="65000"/>
+                    <a:lumOff val="35000"/>
+                  </a:schemeClr>
+                </a:solidFill>
+                <a:latin typeface="Lucida Console" panose="020B0609040504020204" pitchFamily="49" charset="0"/>
+                <a:cs typeface="Consolas" panose="020B0609020204030204" pitchFamily="49" charset="0"/>
+              </a:rPr>
+              <a:t>isc</a:t>
+            </a:r>
+            <a:r>
+              <a:rPr lang="es-MX" b="1" dirty="0" smtClean="0">
+                <a:solidFill>
+                  <a:schemeClr val="bg1">
+                    <a:lumMod val="65000"/>
+                    <a:lumOff val="35000"/>
+                  </a:schemeClr>
+                </a:solidFill>
+                <a:latin typeface="Lucida Console" panose="020B0609040504020204" pitchFamily="49" charset="0"/>
+                <a:cs typeface="Consolas" panose="020B0609020204030204" pitchFamily="49" charset="0"/>
+              </a:rPr>
+              <a:t>-</a:t>
+            </a:r>
+            <a:r>
+              <a:rPr lang="es-MX" b="1" dirty="0" err="1" smtClean="0">
+                <a:solidFill>
+                  <a:schemeClr val="bg1">
+                    <a:lumMod val="65000"/>
+                    <a:lumOff val="35000"/>
+                  </a:schemeClr>
+                </a:solidFill>
+                <a:latin typeface="Lucida Console" panose="020B0609040504020204" pitchFamily="49" charset="0"/>
+                <a:cs typeface="Consolas" panose="020B0609020204030204" pitchFamily="49" charset="0"/>
+              </a:rPr>
+              <a:t>dhcp</a:t>
+            </a:r>
+            <a:r>
+              <a:rPr lang="es-MX" b="1" dirty="0" smtClean="0">
+                <a:solidFill>
+                  <a:schemeClr val="bg1">
+                    <a:lumMod val="65000"/>
+                    <a:lumOff val="35000"/>
+                  </a:schemeClr>
+                </a:solidFill>
+                <a:latin typeface="Lucida Console" panose="020B0609040504020204" pitchFamily="49" charset="0"/>
+                <a:cs typeface="Consolas" panose="020B0609020204030204" pitchFamily="49" charset="0"/>
+              </a:rPr>
+              <a:t>-server </a:t>
+            </a:r>
+            <a:r>
+              <a:rPr lang="es-MX" b="1" dirty="0" err="1" smtClean="0">
+                <a:solidFill>
+                  <a:schemeClr val="bg1">
+                    <a:lumMod val="65000"/>
+                    <a:lumOff val="35000"/>
+                  </a:schemeClr>
+                </a:solidFill>
+                <a:latin typeface="Lucida Console" panose="020B0609040504020204" pitchFamily="49" charset="0"/>
+                <a:cs typeface="Consolas" panose="020B0609020204030204" pitchFamily="49" charset="0"/>
+              </a:rPr>
+              <a:t>restart</a:t>
+            </a:r>
+            <a:endParaRPr lang="es-MX" b="1" dirty="0">
+              <a:solidFill>
+                <a:schemeClr val="bg1">
+                  <a:lumMod val="65000"/>
+                  <a:lumOff val="35000"/>
+                </a:schemeClr>
+              </a:solidFill>
+              <a:latin typeface="Lucida Console" panose="020B0609040504020204" pitchFamily="49" charset="0"/>
+              <a:cs typeface="Consolas" panose="020B0609020204030204" pitchFamily="49" charset="0"/>
+            </a:endParaRPr>
+          </a:p>
+        </p:txBody>
+      </p:sp>
+    </p:spTree>
+    <p:extLst>
+      <p:ext uri="{BB962C8B-B14F-4D97-AF65-F5344CB8AC3E}">
+        <p14:creationId xmlns:p14="http://schemas.microsoft.com/office/powerpoint/2010/main" val="950777416"/>
+      </p:ext>
+    </p:extLst>
+  </p:cSld>
+  <p:clrMapOvr>
+    <a:masterClrMapping/>
+  </p:clrMapOvr>
+  <p:timing>
+    <p:tnLst>
+      <p:par>
+        <p:cTn id="1" dur="indefinite" restart="never" nodeType="tmRoot"/>
+      </p:par>
+    </p:tnLst>
+  </p:timing>
+</p:sld>
+</file>
+
+<file path=ppt/slides/slide14.xml><?xml version="1.0" encoding="utf-8"?>
+<p:sld xmlns:a="http://schemas.openxmlformats.org/drawingml/2006/main" xmlns:r="http://schemas.openxmlformats.org/officeDocument/2006/relationships" xmlns:p="http://schemas.openxmlformats.org/presentationml/2006/main">
+  <p:cSld>
+    <p:bg>
+      <p:bgPr>
+        <a:solidFill>
+          <a:schemeClr val="tx1"/>
+        </a:solidFill>
+        <a:effectLst/>
+      </p:bgPr>
+    </p:bg>
+    <p:spTree>
+      <p:nvGrpSpPr>
+        <p:cNvPr id="1" name=""/>
+        <p:cNvGrpSpPr/>
+        <p:nvPr/>
+      </p:nvGrpSpPr>
+      <p:grpSpPr>
+        <a:xfrm>
+          <a:off x="0" y="0"/>
+          <a:ext cx="0" cy="0"/>
+          <a:chOff x="0" y="0"/>
+          <a:chExt cx="0" cy="0"/>
+        </a:xfrm>
+      </p:grpSpPr>
+      <p:sp>
+        <p:nvSpPr>
+          <p:cNvPr id="4" name="Título 3"/>
+          <p:cNvSpPr>
+            <a:spLocks noGrp="1"/>
+          </p:cNvSpPr>
+          <p:nvPr>
+            <p:ph type="title"/>
+          </p:nvPr>
+        </p:nvSpPr>
+        <p:spPr>
+          <a:xfrm>
+            <a:off x="685802" y="339214"/>
+            <a:ext cx="4387644" cy="1726654"/>
+          </a:xfrm>
+        </p:spPr>
+        <p:txBody>
+          <a:bodyPr/>
+          <a:lstStyle/>
+          <a:p>
+            <a:r>
+              <a:rPr lang="es-MX" dirty="0" smtClean="0">
+                <a:solidFill>
+                  <a:schemeClr val="bg1">
+                    <a:lumMod val="65000"/>
+                    <a:lumOff val="35000"/>
+                  </a:schemeClr>
+                </a:solidFill>
+              </a:rPr>
+              <a:t>Pruebas de funcionamiento</a:t>
+            </a:r>
+            <a:endParaRPr lang="es-MX" dirty="0">
+              <a:solidFill>
+                <a:schemeClr val="bg1">
+                  <a:lumMod val="65000"/>
+                  <a:lumOff val="35000"/>
+                </a:schemeClr>
+              </a:solidFill>
+            </a:endParaRPr>
+          </a:p>
+        </p:txBody>
+      </p:sp>
+      <p:sp>
+        <p:nvSpPr>
+          <p:cNvPr id="5" name="Marcador de contenido 4"/>
+          <p:cNvSpPr>
+            <a:spLocks noGrp="1"/>
+          </p:cNvSpPr>
+          <p:nvPr>
+            <p:ph idx="1"/>
+          </p:nvPr>
+        </p:nvSpPr>
+        <p:spPr>
+          <a:xfrm>
+            <a:off x="685801" y="2142067"/>
+            <a:ext cx="4387645" cy="1736759"/>
+          </a:xfrm>
+        </p:spPr>
+        <p:txBody>
+          <a:bodyPr>
+            <a:normAutofit/>
+          </a:bodyPr>
+          <a:lstStyle/>
+          <a:p>
+            <a:pPr marL="0" indent="0">
+              <a:buNone/>
+            </a:pPr>
+            <a:r>
+              <a:rPr lang="es-MX" sz="2400" dirty="0" smtClean="0">
+                <a:solidFill>
+                  <a:schemeClr val="bg1">
+                    <a:lumMod val="65000"/>
+                    <a:lumOff val="35000"/>
+                  </a:schemeClr>
+                </a:solidFill>
+                <a:cs typeface="Consolas" panose="020B0609020204030204" pitchFamily="49" charset="0"/>
+              </a:rPr>
+              <a:t>Los arrendamientos son visibles en el archivo </a:t>
+            </a:r>
+            <a:r>
+              <a:rPr lang="es-MX" sz="2400" dirty="0" err="1" smtClean="0">
+                <a:solidFill>
+                  <a:schemeClr val="bg1">
+                    <a:lumMod val="65000"/>
+                    <a:lumOff val="35000"/>
+                  </a:schemeClr>
+                </a:solidFill>
+                <a:cs typeface="Consolas" panose="020B0609020204030204" pitchFamily="49" charset="0"/>
+              </a:rPr>
+              <a:t>dhcpd.leases</a:t>
+            </a:r>
+            <a:r>
+              <a:rPr lang="es-MX" sz="2400" dirty="0" smtClean="0">
+                <a:solidFill>
+                  <a:schemeClr val="bg1">
+                    <a:lumMod val="65000"/>
+                    <a:lumOff val="35000"/>
+                  </a:schemeClr>
+                </a:solidFill>
+                <a:cs typeface="Consolas" panose="020B0609020204030204" pitchFamily="49" charset="0"/>
+              </a:rPr>
+              <a:t> que nos indican características de los clientes del servicio.</a:t>
+            </a:r>
+            <a:endParaRPr lang="es-MX" sz="2400" dirty="0" smtClean="0">
+              <a:solidFill>
+                <a:schemeClr val="bg1">
+                  <a:lumMod val="65000"/>
+                  <a:lumOff val="35000"/>
+                </a:schemeClr>
+              </a:solidFill>
+              <a:cs typeface="Consolas" panose="020B0609020204030204" pitchFamily="49" charset="0"/>
+            </a:endParaRPr>
+          </a:p>
+        </p:txBody>
+      </p:sp>
+      <p:grpSp>
+        <p:nvGrpSpPr>
+          <p:cNvPr id="8" name="Grupo 7"/>
+          <p:cNvGrpSpPr/>
+          <p:nvPr/>
+        </p:nvGrpSpPr>
+        <p:grpSpPr>
+          <a:xfrm>
+            <a:off x="9713741" y="-1185793"/>
+            <a:ext cx="3123027" cy="3221501"/>
+            <a:chOff x="9404251" y="-316522"/>
+            <a:chExt cx="3123027" cy="3221501"/>
+          </a:xfrm>
+        </p:grpSpPr>
+        <p:sp>
+          <p:nvSpPr>
+            <p:cNvPr id="9" name="Anillo 8"/>
+            <p:cNvSpPr/>
+            <p:nvPr/>
+          </p:nvSpPr>
+          <p:spPr>
+            <a:xfrm rot="18388880">
+              <a:off x="9355014" y="-267285"/>
+              <a:ext cx="3221501" cy="3123027"/>
+            </a:xfrm>
+            <a:prstGeom prst="donut">
+              <a:avLst>
+                <a:gd name="adj" fmla="val 6079"/>
+              </a:avLst>
+            </a:prstGeom>
+            <a:blipFill dpi="0" rotWithShape="1">
+              <a:blip r:embed="rId2">
+                <a:alphaModFix amt="30000"/>
+              </a:blip>
+              <a:srcRect/>
+              <a:stretch>
+                <a:fillRect/>
+              </a:stretch>
+            </a:blipFill>
+            <a:ln>
+              <a:noFill/>
+            </a:ln>
+          </p:spPr>
+          <p:style>
+            <a:lnRef idx="1">
+              <a:schemeClr val="accent1"/>
+            </a:lnRef>
+            <a:fillRef idx="1003">
+              <a:schemeClr val="lt1"/>
+            </a:fillRef>
+            <a:effectRef idx="2">
+              <a:schemeClr val="accent1"/>
+            </a:effectRef>
+            <a:fontRef idx="minor">
+              <a:schemeClr val="lt1"/>
+            </a:fontRef>
+          </p:style>
+          <p:txBody>
+            <a:bodyPr rtlCol="0" anchor="ctr"/>
+            <a:lstStyle/>
+            <a:p>
+              <a:pPr algn="ctr"/>
+              <a:endParaRPr lang="es-MX" b="1">
+                <a:ln w="12700">
+                  <a:solidFill>
+                    <a:schemeClr val="accent1"/>
+                  </a:solidFill>
+                  <a:prstDash val="solid"/>
+                </a:ln>
+                <a:pattFill prst="pct50">
+                  <a:fgClr>
+                    <a:schemeClr val="accent1"/>
+                  </a:fgClr>
+                  <a:bgClr>
+                    <a:schemeClr val="accent1">
+                      <a:lumMod val="20000"/>
+                      <a:lumOff val="80000"/>
+                    </a:schemeClr>
+                  </a:bgClr>
+                </a:pattFill>
+                <a:effectLst>
+                  <a:outerShdw dist="38100" dir="2640000" algn="bl" rotWithShape="0">
+                    <a:schemeClr val="accent1"/>
+                  </a:outerShdw>
+                </a:effectLst>
+              </a:endParaRPr>
+            </a:p>
+          </p:txBody>
+        </p:sp>
+        <p:sp>
+          <p:nvSpPr>
+            <p:cNvPr id="10" name="Anillo 9"/>
+            <p:cNvSpPr/>
+            <p:nvPr/>
+          </p:nvSpPr>
+          <p:spPr>
+            <a:xfrm rot="18388880">
+              <a:off x="9794972" y="137979"/>
+              <a:ext cx="2373579" cy="2323867"/>
+            </a:xfrm>
+            <a:prstGeom prst="donut">
+              <a:avLst>
+                <a:gd name="adj" fmla="val 9711"/>
+              </a:avLst>
+            </a:prstGeom>
+            <a:blipFill dpi="0" rotWithShape="1">
+              <a:blip r:embed="rId2">
+                <a:alphaModFix amt="30000"/>
+              </a:blip>
+              <a:srcRect/>
+              <a:stretch>
+                <a:fillRect/>
+              </a:stretch>
+            </a:blipFill>
+            <a:ln>
+              <a:noFill/>
+            </a:ln>
+          </p:spPr>
+          <p:style>
+            <a:lnRef idx="1">
+              <a:schemeClr val="accent1"/>
+            </a:lnRef>
+            <a:fillRef idx="1003">
+              <a:schemeClr val="lt1"/>
+            </a:fillRef>
+            <a:effectRef idx="2">
+              <a:schemeClr val="accent1"/>
+            </a:effectRef>
+            <a:fontRef idx="minor">
+              <a:schemeClr val="lt1"/>
+            </a:fontRef>
+          </p:style>
+          <p:txBody>
+            <a:bodyPr rtlCol="0" anchor="ctr"/>
+            <a:lstStyle/>
+            <a:p>
+              <a:pPr algn="ctr"/>
+              <a:endParaRPr lang="es-MX" b="1">
+                <a:ln w="12700">
+                  <a:solidFill>
+                    <a:schemeClr val="accent1"/>
+                  </a:solidFill>
+                  <a:prstDash val="solid"/>
+                </a:ln>
+                <a:pattFill prst="pct50">
+                  <a:fgClr>
+                    <a:schemeClr val="accent1"/>
+                  </a:fgClr>
+                  <a:bgClr>
+                    <a:schemeClr val="accent1">
+                      <a:lumMod val="20000"/>
+                      <a:lumOff val="80000"/>
+                    </a:schemeClr>
+                  </a:bgClr>
+                </a:pattFill>
+                <a:effectLst>
+                  <a:outerShdw dist="38100" dir="2640000" algn="bl" rotWithShape="0">
+                    <a:schemeClr val="accent1"/>
+                  </a:outerShdw>
+                </a:effectLst>
+              </a:endParaRPr>
+            </a:p>
+          </p:txBody>
+        </p:sp>
+      </p:grpSp>
+      <p:pic>
+        <p:nvPicPr>
+          <p:cNvPr id="2" name="Imagen 1"/>
+          <p:cNvPicPr>
+            <a:picLocks noChangeAspect="1"/>
+          </p:cNvPicPr>
+          <p:nvPr/>
+        </p:nvPicPr>
+        <p:blipFill>
+          <a:blip r:embed="rId3"/>
+          <a:stretch>
+            <a:fillRect/>
+          </a:stretch>
+        </p:blipFill>
+        <p:spPr>
+          <a:xfrm>
+            <a:off x="5220929" y="206476"/>
+            <a:ext cx="6796855" cy="6497333"/>
+          </a:xfrm>
+          <a:prstGeom prst="rect">
+            <a:avLst/>
+          </a:prstGeom>
+        </p:spPr>
+      </p:pic>
+    </p:spTree>
+    <p:extLst>
+      <p:ext uri="{BB962C8B-B14F-4D97-AF65-F5344CB8AC3E}">
+        <p14:creationId xmlns:p14="http://schemas.microsoft.com/office/powerpoint/2010/main" val="452340037"/>
+      </p:ext>
+    </p:extLst>
+  </p:cSld>
+  <p:clrMapOvr>
+    <a:masterClrMapping/>
+  </p:clrMapOvr>
+  <p:timing>
+    <p:tnLst>
+      <p:par>
+        <p:cTn id="1" dur="indefinite" restart="never" nodeType="tmRoot"/>
+      </p:par>
+    </p:tnLst>
+  </p:timing>
+</p:sld>
+</file>
+
+<file path=ppt/slides/slide15.xml><?xml version="1.0" encoding="utf-8"?>
+<p:sld xmlns:a="http://schemas.openxmlformats.org/drawingml/2006/main" xmlns:r="http://schemas.openxmlformats.org/officeDocument/2006/relationships" xmlns:p="http://schemas.openxmlformats.org/presentationml/2006/main">
+  <p:cSld>
+    <p:spTree>
+      <p:nvGrpSpPr>
+        <p:cNvPr id="1" name=""/>
+        <p:cNvGrpSpPr/>
+        <p:nvPr/>
+      </p:nvGrpSpPr>
+      <p:grpSpPr>
+        <a:xfrm>
+          <a:off x="0" y="0"/>
+          <a:ext cx="0" cy="0"/>
+          <a:chOff x="0" y="0"/>
+          <a:chExt cx="0" cy="0"/>
+        </a:xfrm>
+      </p:grpSpPr>
+      <p:sp>
+        <p:nvSpPr>
+          <p:cNvPr id="2" name="Título 1"/>
+          <p:cNvSpPr>
+            <a:spLocks noGrp="1"/>
+          </p:cNvSpPr>
+          <p:nvPr>
+            <p:ph type="title"/>
+          </p:nvPr>
+        </p:nvSpPr>
+        <p:spPr>
+          <a:xfrm>
+            <a:off x="685801" y="609600"/>
+            <a:ext cx="10131425" cy="5540477"/>
+          </a:xfrm>
+        </p:spPr>
+        <p:txBody>
+          <a:bodyPr>
+            <a:normAutofit/>
+          </a:bodyPr>
+          <a:lstStyle/>
+          <a:p>
+            <a:pPr algn="ctr"/>
+            <a:r>
+              <a:rPr lang="es-MX" sz="4800" dirty="0" err="1" smtClean="0">
+                <a:latin typeface="Broadway" panose="04040905080B02020502" pitchFamily="82" charset="0"/>
+              </a:rPr>
+              <a:t>It’s</a:t>
+            </a:r>
+            <a:r>
+              <a:rPr lang="es-MX" sz="4800" dirty="0" smtClean="0">
+                <a:latin typeface="Broadway" panose="04040905080B02020502" pitchFamily="82" charset="0"/>
+              </a:rPr>
+              <a:t> show time!</a:t>
+            </a:r>
+            <a:endParaRPr lang="es-MX" sz="4800" dirty="0">
+              <a:latin typeface="Broadway" panose="04040905080B02020502" pitchFamily="82" charset="0"/>
+            </a:endParaRPr>
+          </a:p>
+        </p:txBody>
+      </p:sp>
+    </p:spTree>
+    <p:extLst>
+      <p:ext uri="{BB962C8B-B14F-4D97-AF65-F5344CB8AC3E}">
+        <p14:creationId xmlns:p14="http://schemas.microsoft.com/office/powerpoint/2010/main" val="3963973556"/>
+      </p:ext>
+    </p:extLst>
+  </p:cSld>
+  <p:clrMapOvr>
+    <a:masterClrMapping/>
+  </p:clrMapOvr>
+</p:sld>
+</file>
+
+<file path=ppt/slides/slide16.xml><?xml version="1.0" encoding="utf-8"?>
 <p:sld xmlns:a="http://schemas.openxmlformats.org/drawingml/2006/main" xmlns:r="http://schemas.openxmlformats.org/officeDocument/2006/relationships" xmlns:p="http://schemas.openxmlformats.org/presentationml/2006/main">
   <p:cSld>
     <p:spTree>
@@ -8937,10 +11127,14 @@
           <a:p>
             <a:pPr algn="ctr"/>
             <a:r>
-              <a:rPr lang="es-MX" dirty="0" smtClean="0"/>
+              <a:rPr lang="es-MX" dirty="0" smtClean="0">
+                <a:latin typeface="Tw Cen MT Condensed Extra Bold" panose="020B0803020202020204" pitchFamily="34" charset="0"/>
+              </a:rPr>
               <a:t>Gracias por su tiempo</a:t>
             </a:r>
-            <a:endParaRPr lang="es-MX" dirty="0"/>
+            <a:endParaRPr lang="es-MX" dirty="0">
+              <a:latin typeface="Tw Cen MT Condensed Extra Bold" panose="020B0803020202020204" pitchFamily="34" charset="0"/>
+            </a:endParaRPr>
           </a:p>
         </p:txBody>
       </p:sp>
@@ -9357,6 +11551,222 @@
           </p:txBody>
         </p:sp>
       </p:grpSp>
+      <p:sp>
+        <p:nvSpPr>
+          <p:cNvPr id="8" name="CuadroTexto 7"/>
+          <p:cNvSpPr txBox="1"/>
+          <p:nvPr/>
+        </p:nvSpPr>
+        <p:spPr>
+          <a:xfrm>
+            <a:off x="8214852" y="3406877"/>
+            <a:ext cx="3097161" cy="2677656"/>
+          </a:xfrm>
+          <a:prstGeom prst="rect">
+            <a:avLst/>
+          </a:prstGeom>
+          <a:noFill/>
+        </p:spPr>
+        <p:txBody>
+          <a:bodyPr wrap="square" rtlCol="0">
+            <a:spAutoFit/>
+          </a:bodyPr>
+          <a:lstStyle/>
+          <a:p>
+            <a:r>
+              <a:rPr lang="es-MX" sz="2400" dirty="0" smtClean="0">
+                <a:solidFill>
+                  <a:schemeClr val="bg1">
+                    <a:lumMod val="65000"/>
+                    <a:lumOff val="35000"/>
+                  </a:schemeClr>
+                </a:solidFill>
+              </a:rPr>
+              <a:t>1993</a:t>
+            </a:r>
+          </a:p>
+          <a:p>
+            <a:pPr marL="342900" indent="-342900">
+              <a:buBlip>
+                <a:blip r:embed="rId8"/>
+              </a:buBlip>
+            </a:pPr>
+            <a:r>
+              <a:rPr lang="es-MX" sz="2400" dirty="0" smtClean="0">
+                <a:solidFill>
+                  <a:schemeClr val="bg1">
+                    <a:lumMod val="65000"/>
+                    <a:lumOff val="35000"/>
+                  </a:schemeClr>
+                </a:solidFill>
+              </a:rPr>
+              <a:t>RFC 1531</a:t>
+            </a:r>
+          </a:p>
+          <a:p>
+            <a:pPr marL="342900" indent="-342900">
+              <a:buBlip>
+                <a:blip r:embed="rId8"/>
+              </a:buBlip>
+            </a:pPr>
+            <a:r>
+              <a:rPr lang="es-MX" sz="2400" dirty="0" smtClean="0">
+                <a:solidFill>
+                  <a:schemeClr val="bg1">
+                    <a:lumMod val="65000"/>
+                    <a:lumOff val="35000"/>
+                  </a:schemeClr>
+                </a:solidFill>
+              </a:rPr>
+              <a:t>RFC </a:t>
+            </a:r>
+            <a:r>
+              <a:rPr lang="es-MX" sz="2400" dirty="0">
+                <a:solidFill>
+                  <a:schemeClr val="bg1">
+                    <a:lumMod val="65000"/>
+                    <a:lumOff val="35000"/>
+                  </a:schemeClr>
+                </a:solidFill>
+              </a:rPr>
+              <a:t>1532 </a:t>
+            </a:r>
+            <a:r>
+              <a:rPr lang="es-MX" sz="2400" dirty="0" smtClean="0">
+                <a:solidFill>
+                  <a:schemeClr val="bg1">
+                    <a:lumMod val="65000"/>
+                    <a:lumOff val="35000"/>
+                  </a:schemeClr>
+                </a:solidFill>
+              </a:rPr>
+              <a:t>(</a:t>
+            </a:r>
+            <a:r>
+              <a:rPr lang="es-MX" sz="2400" dirty="0" err="1">
+                <a:solidFill>
+                  <a:schemeClr val="bg1">
+                    <a:lumMod val="65000"/>
+                    <a:lumOff val="35000"/>
+                  </a:schemeClr>
+                </a:solidFill>
+              </a:rPr>
+              <a:t>c</a:t>
+            </a:r>
+            <a:r>
+              <a:rPr lang="es-MX" sz="2400" dirty="0" err="1" smtClean="0">
+                <a:solidFill>
+                  <a:schemeClr val="bg1">
+                    <a:lumMod val="65000"/>
+                    <a:lumOff val="35000"/>
+                  </a:schemeClr>
+                </a:solidFill>
+              </a:rPr>
+              <a:t>onf</a:t>
+            </a:r>
+            <a:r>
+              <a:rPr lang="es-MX" sz="2400" dirty="0" smtClean="0">
+                <a:solidFill>
+                  <a:schemeClr val="bg1">
+                    <a:lumMod val="65000"/>
+                    <a:lumOff val="35000"/>
+                  </a:schemeClr>
+                </a:solidFill>
+              </a:rPr>
+              <a:t>)</a:t>
+            </a:r>
+          </a:p>
+          <a:p>
+            <a:endParaRPr lang="es-MX" sz="2400" dirty="0" smtClean="0">
+              <a:solidFill>
+                <a:schemeClr val="bg1">
+                  <a:lumMod val="65000"/>
+                  <a:lumOff val="35000"/>
+                </a:schemeClr>
+              </a:solidFill>
+            </a:endParaRPr>
+          </a:p>
+          <a:p>
+            <a:r>
+              <a:rPr lang="es-MX" sz="2400" dirty="0" smtClean="0">
+                <a:solidFill>
+                  <a:schemeClr val="bg1">
+                    <a:lumMod val="65000"/>
+                    <a:lumOff val="35000"/>
+                  </a:schemeClr>
+                </a:solidFill>
+              </a:rPr>
+              <a:t>1997</a:t>
+            </a:r>
+          </a:p>
+          <a:p>
+            <a:pPr marL="342900" indent="-342900">
+              <a:buBlip>
+                <a:blip r:embed="rId8"/>
+              </a:buBlip>
+            </a:pPr>
+            <a:r>
+              <a:rPr lang="es-MX" sz="2400" dirty="0" smtClean="0">
+                <a:solidFill>
+                  <a:schemeClr val="bg1">
+                    <a:lumMod val="65000"/>
+                    <a:lumOff val="35000"/>
+                  </a:schemeClr>
+                </a:solidFill>
+              </a:rPr>
+              <a:t>RFC </a:t>
+            </a:r>
+            <a:r>
+              <a:rPr lang="es-MX" sz="2400" dirty="0">
+                <a:solidFill>
+                  <a:schemeClr val="bg1">
+                    <a:lumMod val="65000"/>
+                    <a:lumOff val="35000"/>
+                  </a:schemeClr>
+                </a:solidFill>
+              </a:rPr>
+              <a:t>2131 </a:t>
+            </a:r>
+            <a:endParaRPr lang="es-MX" sz="2400" dirty="0" smtClean="0">
+              <a:solidFill>
+                <a:schemeClr val="bg1">
+                  <a:lumMod val="65000"/>
+                  <a:lumOff val="35000"/>
+                </a:schemeClr>
+              </a:solidFill>
+            </a:endParaRPr>
+          </a:p>
+          <a:p>
+            <a:pPr marL="342900" indent="-342900">
+              <a:buBlip>
+                <a:blip r:embed="rId8"/>
+              </a:buBlip>
+            </a:pPr>
+            <a:r>
+              <a:rPr lang="es-MX" sz="2400" dirty="0" smtClean="0">
+                <a:solidFill>
+                  <a:schemeClr val="bg1">
+                    <a:lumMod val="65000"/>
+                    <a:lumOff val="35000"/>
+                  </a:schemeClr>
+                </a:solidFill>
+              </a:rPr>
+              <a:t>RFC </a:t>
+            </a:r>
+            <a:r>
+              <a:rPr lang="es-MX" sz="2400" dirty="0">
+                <a:solidFill>
+                  <a:schemeClr val="bg1">
+                    <a:lumMod val="65000"/>
+                    <a:lumOff val="35000"/>
+                  </a:schemeClr>
+                </a:solidFill>
+              </a:rPr>
+              <a:t>2132</a:t>
+            </a:r>
+          </a:p>
+        </p:txBody>
+      </p:sp>
     </p:spTree>
     <p:extLst>
       <p:ext uri="{BB962C8B-B14F-4D97-AF65-F5344CB8AC3E}">
@@ -12200,7 +14610,12 @@
             <p:ph type="title"/>
           </p:nvPr>
         </p:nvSpPr>
-        <p:spPr/>
+        <p:spPr>
+          <a:xfrm>
+            <a:off x="685800" y="424957"/>
+            <a:ext cx="10131425" cy="804592"/>
+          </a:xfrm>
+        </p:spPr>
         <p:txBody>
           <a:bodyPr/>
           <a:lstStyle/>
@@ -12237,7 +14652,12 @@
             <p:ph idx="1"/>
           </p:nvPr>
         </p:nvSpPr>
-        <p:spPr/>
+        <p:spPr>
+          <a:xfrm>
+            <a:off x="685800" y="1229549"/>
+            <a:ext cx="10131425" cy="517799"/>
+          </a:xfrm>
+        </p:spPr>
         <p:txBody>
           <a:bodyPr>
             <a:normAutofit/>
@@ -12247,6 +14667,18 @@
             <a:pPr marL="0" indent="0">
               <a:buNone/>
             </a:pPr>
+            <a:r>
+              <a:rPr lang="es-MX" sz="2400" dirty="0" smtClean="0">
+                <a:solidFill>
+                  <a:schemeClr val="bg1">
+                    <a:lumMod val="65000"/>
+                    <a:lumOff val="35000"/>
+                  </a:schemeClr>
+                </a:solidFill>
+                <a:cs typeface="Consolas" panose="020B0609020204030204" pitchFamily="49" charset="0"/>
+              </a:rPr>
+              <a:t>Configuración de las interfaces</a:t>
+            </a:r>
             <a:endParaRPr lang="es-MX" sz="2400" dirty="0" smtClean="0">
               <a:solidFill>
                 <a:schemeClr val="bg1">
@@ -12424,6 +14856,30 @@
           </p:txBody>
         </p:sp>
       </p:grpSp>
+      <p:pic>
+        <p:nvPicPr>
+          <p:cNvPr id="2" name="Imagen 1"/>
+          <p:cNvPicPr>
+            <a:picLocks noChangeAspect="1"/>
+          </p:cNvPicPr>
+          <p:nvPr/>
+        </p:nvPicPr>
+        <p:blipFill>
+          <a:blip r:embed="rId3"/>
+          <a:stretch>
+            <a:fillRect/>
+          </a:stretch>
+        </p:blipFill>
+        <p:spPr>
+          <a:xfrm>
+            <a:off x="958896" y="1725332"/>
+            <a:ext cx="9585232" cy="4768693"/>
+          </a:xfrm>
+          <a:prstGeom prst="rect">
+            <a:avLst/>
+          </a:prstGeom>
+        </p:spPr>
+      </p:pic>
     </p:spTree>
     <p:extLst>
       <p:ext uri="{BB962C8B-B14F-4D97-AF65-F5344CB8AC3E}">
